--- a/mistakes_search/presentations/Алгоритм автоматического поиска ошибок в транскрибациях_финальный проект.pptx
+++ b/mistakes_search/presentations/Алгоритм автоматического поиска ошибок в транскрибациях_финальный проект.pptx
@@ -37,6 +37,9 @@
     <p:sldId id="282" r:id="rId33"/>
     <p:sldId id="283" r:id="rId34"/>
     <p:sldId id="284" r:id="rId35"/>
+    <p:sldId id="285" r:id="rId36"/>
+    <p:sldId id="286" r:id="rId37"/>
+    <p:sldId id="287" r:id="rId38"/>
   </p:sldIdLst>
   <p:sldSz cy="5143500" cx="9144000"/>
   <p:notesSz cx="6858000" cy="9144000"/>
@@ -2812,7 +2815,7 @@
       </p:grpSpPr>
       <p:sp>
         <p:nvSpPr>
-          <p:cNvPr id="275" name="Google Shape;275;g890b456e25_0_43:notes"/>
+          <p:cNvPr id="275" name="Google Shape;275;g8d69ac7fb8_0_2:notes"/>
           <p:cNvSpPr/>
           <p:nvPr>
             <p:ph idx="2" type="sldImg"/>
@@ -2847,7 +2850,7 @@
       </p:sp>
       <p:sp>
         <p:nvSpPr>
-          <p:cNvPr id="276" name="Google Shape;276;g890b456e25_0_43:notes"/>
+          <p:cNvPr id="276" name="Google Shape;276;g8d69ac7fb8_0_2:notes"/>
           <p:cNvSpPr txBox="1"/>
           <p:nvPr>
             <p:ph idx="1" type="body"/>
@@ -2947,6 +2950,303 @@
       <p:sp>
         <p:nvSpPr>
           <p:cNvPr id="68" name="Google Shape;68;g890b456e25_0_8:notes"/>
+          <p:cNvSpPr txBox="1"/>
+          <p:nvPr>
+            <p:ph idx="1" type="body"/>
+          </p:nvPr>
+        </p:nvSpPr>
+        <p:spPr>
+          <a:xfrm>
+            <a:off x="685800" y="4343400"/>
+            <a:ext cx="5486400" cy="4114800"/>
+          </a:xfrm>
+          <a:prstGeom prst="rect">
+            <a:avLst/>
+          </a:prstGeom>
+        </p:spPr>
+        <p:txBody>
+          <a:bodyPr anchorCtr="0" anchor="t" bIns="91425" lIns="91425" spcFirstLastPara="1" rIns="91425" wrap="square" tIns="91425">
+            <a:noAutofit/>
+          </a:bodyPr>
+          <a:lstStyle/>
+          <a:p>
+            <a:pPr indent="0" lvl="0" marL="0" rtl="0" algn="l">
+              <a:spcBef>
+                <a:spcPts val="0"/>
+              </a:spcBef>
+              <a:spcAft>
+                <a:spcPts val="0"/>
+              </a:spcAft>
+              <a:buNone/>
+            </a:pPr>
+            <a:r>
+              <a:t/>
+            </a:r>
+            <a:endParaRPr/>
+          </a:p>
+        </p:txBody>
+      </p:sp>
+    </p:spTree>
+  </p:cSld>
+  <p:clrMapOvr>
+    <a:masterClrMapping/>
+  </p:clrMapOvr>
+</p:notes>
+</file>
+
+<file path=ppt/notesSlides/notesSlide30.xml><?xml version="1.0" encoding="utf-8"?>
+<p:notes xmlns:a="http://schemas.openxmlformats.org/drawingml/2006/main" xmlns:r="http://schemas.openxmlformats.org/officeDocument/2006/relationships" xmlns:mc="http://schemas.openxmlformats.org/markup-compatibility/2006" xmlns:mv="urn:schemas-microsoft-com:mac:vml" xmlns:p="http://schemas.openxmlformats.org/presentationml/2006/main" xmlns:c="http://schemas.openxmlformats.org/drawingml/2006/chart" xmlns:dgm="http://schemas.openxmlformats.org/drawingml/2006/diagram" xmlns:o="urn:schemas-microsoft-com:office:office" xmlns:v="urn:schemas-microsoft-com:vml" xmlns:pvml="urn:schemas-microsoft-com:office:powerpoint" xmlns:com="http://schemas.openxmlformats.org/drawingml/2006/compatibility" xmlns:p14="http://schemas.microsoft.com/office/powerpoint/2010/main" xmlns:p15="http://schemas.microsoft.com/office/powerpoint/2012/main" showMasterPhAnim="0" showMasterSp="0">
+  <p:cSld>
+    <p:spTree>
+      <p:nvGrpSpPr>
+        <p:cNvPr id="283" name="Shape 283"/>
+        <p:cNvGrpSpPr/>
+        <p:nvPr/>
+      </p:nvGrpSpPr>
+      <p:grpSpPr>
+        <a:xfrm>
+          <a:off x="0" y="0"/>
+          <a:ext cx="0" cy="0"/>
+          <a:chOff x="0" y="0"/>
+          <a:chExt cx="0" cy="0"/>
+        </a:xfrm>
+      </p:grpSpPr>
+      <p:sp>
+        <p:nvSpPr>
+          <p:cNvPr id="284" name="Google Shape;284;g8d69ac7fb8_0_18:notes"/>
+          <p:cNvSpPr/>
+          <p:nvPr>
+            <p:ph idx="2" type="sldImg"/>
+          </p:nvPr>
+        </p:nvSpPr>
+        <p:spPr>
+          <a:xfrm>
+            <a:off x="381300" y="685800"/>
+            <a:ext cx="6096000" cy="3429000"/>
+          </a:xfrm>
+          <a:custGeom>
+            <a:rect b="b" l="l" r="r" t="t"/>
+            <a:pathLst>
+              <a:path extrusionOk="0" h="120000" w="120000">
+                <a:moveTo>
+                  <a:pt x="0" y="0"/>
+                </a:moveTo>
+                <a:lnTo>
+                  <a:pt x="120000" y="0"/>
+                </a:lnTo>
+                <a:lnTo>
+                  <a:pt x="120000" y="120000"/>
+                </a:lnTo>
+                <a:lnTo>
+                  <a:pt x="0" y="120000"/>
+                </a:lnTo>
+                <a:close/>
+              </a:path>
+            </a:pathLst>
+          </a:custGeom>
+        </p:spPr>
+      </p:sp>
+      <p:sp>
+        <p:nvSpPr>
+          <p:cNvPr id="285" name="Google Shape;285;g8d69ac7fb8_0_18:notes"/>
+          <p:cNvSpPr txBox="1"/>
+          <p:nvPr>
+            <p:ph idx="1" type="body"/>
+          </p:nvPr>
+        </p:nvSpPr>
+        <p:spPr>
+          <a:xfrm>
+            <a:off x="685800" y="4343400"/>
+            <a:ext cx="5486400" cy="4114800"/>
+          </a:xfrm>
+          <a:prstGeom prst="rect">
+            <a:avLst/>
+          </a:prstGeom>
+        </p:spPr>
+        <p:txBody>
+          <a:bodyPr anchorCtr="0" anchor="t" bIns="91425" lIns="91425" spcFirstLastPara="1" rIns="91425" wrap="square" tIns="91425">
+            <a:noAutofit/>
+          </a:bodyPr>
+          <a:lstStyle/>
+          <a:p>
+            <a:pPr indent="0" lvl="0" marL="0" rtl="0" algn="l">
+              <a:spcBef>
+                <a:spcPts val="0"/>
+              </a:spcBef>
+              <a:spcAft>
+                <a:spcPts val="0"/>
+              </a:spcAft>
+              <a:buNone/>
+            </a:pPr>
+            <a:r>
+              <a:t/>
+            </a:r>
+            <a:endParaRPr/>
+          </a:p>
+        </p:txBody>
+      </p:sp>
+    </p:spTree>
+  </p:cSld>
+  <p:clrMapOvr>
+    <a:masterClrMapping/>
+  </p:clrMapOvr>
+</p:notes>
+</file>
+
+<file path=ppt/notesSlides/notesSlide31.xml><?xml version="1.0" encoding="utf-8"?>
+<p:notes xmlns:a="http://schemas.openxmlformats.org/drawingml/2006/main" xmlns:r="http://schemas.openxmlformats.org/officeDocument/2006/relationships" xmlns:mc="http://schemas.openxmlformats.org/markup-compatibility/2006" xmlns:mv="urn:schemas-microsoft-com:mac:vml" xmlns:p="http://schemas.openxmlformats.org/presentationml/2006/main" xmlns:c="http://schemas.openxmlformats.org/drawingml/2006/chart" xmlns:dgm="http://schemas.openxmlformats.org/drawingml/2006/diagram" xmlns:o="urn:schemas-microsoft-com:office:office" xmlns:v="urn:schemas-microsoft-com:vml" xmlns:pvml="urn:schemas-microsoft-com:office:powerpoint" xmlns:com="http://schemas.openxmlformats.org/drawingml/2006/compatibility" xmlns:p14="http://schemas.microsoft.com/office/powerpoint/2010/main" xmlns:p15="http://schemas.microsoft.com/office/powerpoint/2012/main" showMasterPhAnim="0" showMasterSp="0">
+  <p:cSld>
+    <p:spTree>
+      <p:nvGrpSpPr>
+        <p:cNvPr id="293" name="Shape 293"/>
+        <p:cNvGrpSpPr/>
+        <p:nvPr/>
+      </p:nvGrpSpPr>
+      <p:grpSpPr>
+        <a:xfrm>
+          <a:off x="0" y="0"/>
+          <a:ext cx="0" cy="0"/>
+          <a:chOff x="0" y="0"/>
+          <a:chExt cx="0" cy="0"/>
+        </a:xfrm>
+      </p:grpSpPr>
+      <p:sp>
+        <p:nvSpPr>
+          <p:cNvPr id="294" name="Google Shape;294;g8d69ac7fb8_0_32:notes"/>
+          <p:cNvSpPr/>
+          <p:nvPr>
+            <p:ph idx="2" type="sldImg"/>
+          </p:nvPr>
+        </p:nvSpPr>
+        <p:spPr>
+          <a:xfrm>
+            <a:off x="381300" y="685800"/>
+            <a:ext cx="6096000" cy="3429000"/>
+          </a:xfrm>
+          <a:custGeom>
+            <a:rect b="b" l="l" r="r" t="t"/>
+            <a:pathLst>
+              <a:path extrusionOk="0" h="120000" w="120000">
+                <a:moveTo>
+                  <a:pt x="0" y="0"/>
+                </a:moveTo>
+                <a:lnTo>
+                  <a:pt x="120000" y="0"/>
+                </a:lnTo>
+                <a:lnTo>
+                  <a:pt x="120000" y="120000"/>
+                </a:lnTo>
+                <a:lnTo>
+                  <a:pt x="0" y="120000"/>
+                </a:lnTo>
+                <a:close/>
+              </a:path>
+            </a:pathLst>
+          </a:custGeom>
+        </p:spPr>
+      </p:sp>
+      <p:sp>
+        <p:nvSpPr>
+          <p:cNvPr id="295" name="Google Shape;295;g8d69ac7fb8_0_32:notes"/>
+          <p:cNvSpPr txBox="1"/>
+          <p:nvPr>
+            <p:ph idx="1" type="body"/>
+          </p:nvPr>
+        </p:nvSpPr>
+        <p:spPr>
+          <a:xfrm>
+            <a:off x="685800" y="4343400"/>
+            <a:ext cx="5486400" cy="4114800"/>
+          </a:xfrm>
+          <a:prstGeom prst="rect">
+            <a:avLst/>
+          </a:prstGeom>
+        </p:spPr>
+        <p:txBody>
+          <a:bodyPr anchorCtr="0" anchor="t" bIns="91425" lIns="91425" spcFirstLastPara="1" rIns="91425" wrap="square" tIns="91425">
+            <a:noAutofit/>
+          </a:bodyPr>
+          <a:lstStyle/>
+          <a:p>
+            <a:pPr indent="0" lvl="0" marL="0" rtl="0" algn="l">
+              <a:spcBef>
+                <a:spcPts val="0"/>
+              </a:spcBef>
+              <a:spcAft>
+                <a:spcPts val="0"/>
+              </a:spcAft>
+              <a:buNone/>
+            </a:pPr>
+            <a:r>
+              <a:t/>
+            </a:r>
+            <a:endParaRPr/>
+          </a:p>
+        </p:txBody>
+      </p:sp>
+    </p:spTree>
+  </p:cSld>
+  <p:clrMapOvr>
+    <a:masterClrMapping/>
+  </p:clrMapOvr>
+</p:notes>
+</file>
+
+<file path=ppt/notesSlides/notesSlide32.xml><?xml version="1.0" encoding="utf-8"?>
+<p:notes xmlns:a="http://schemas.openxmlformats.org/drawingml/2006/main" xmlns:r="http://schemas.openxmlformats.org/officeDocument/2006/relationships" xmlns:mc="http://schemas.openxmlformats.org/markup-compatibility/2006" xmlns:mv="urn:schemas-microsoft-com:mac:vml" xmlns:p="http://schemas.openxmlformats.org/presentationml/2006/main" xmlns:c="http://schemas.openxmlformats.org/drawingml/2006/chart" xmlns:dgm="http://schemas.openxmlformats.org/drawingml/2006/diagram" xmlns:o="urn:schemas-microsoft-com:office:office" xmlns:v="urn:schemas-microsoft-com:vml" xmlns:pvml="urn:schemas-microsoft-com:office:powerpoint" xmlns:com="http://schemas.openxmlformats.org/drawingml/2006/compatibility" xmlns:p14="http://schemas.microsoft.com/office/powerpoint/2010/main" xmlns:p15="http://schemas.microsoft.com/office/powerpoint/2012/main" showMasterPhAnim="0" showMasterSp="0">
+  <p:cSld>
+    <p:spTree>
+      <p:nvGrpSpPr>
+        <p:cNvPr id="299" name="Shape 299"/>
+        <p:cNvGrpSpPr/>
+        <p:nvPr/>
+      </p:nvGrpSpPr>
+      <p:grpSpPr>
+        <a:xfrm>
+          <a:off x="0" y="0"/>
+          <a:ext cx="0" cy="0"/>
+          <a:chOff x="0" y="0"/>
+          <a:chExt cx="0" cy="0"/>
+        </a:xfrm>
+      </p:grpSpPr>
+      <p:sp>
+        <p:nvSpPr>
+          <p:cNvPr id="300" name="Google Shape;300;g890b456e25_0_43:notes"/>
+          <p:cNvSpPr/>
+          <p:nvPr>
+            <p:ph idx="2" type="sldImg"/>
+          </p:nvPr>
+        </p:nvSpPr>
+        <p:spPr>
+          <a:xfrm>
+            <a:off x="381300" y="685800"/>
+            <a:ext cx="6096000" cy="3429000"/>
+          </a:xfrm>
+          <a:custGeom>
+            <a:rect b="b" l="l" r="r" t="t"/>
+            <a:pathLst>
+              <a:path extrusionOk="0" h="120000" w="120000">
+                <a:moveTo>
+                  <a:pt x="0" y="0"/>
+                </a:moveTo>
+                <a:lnTo>
+                  <a:pt x="120000" y="0"/>
+                </a:lnTo>
+                <a:lnTo>
+                  <a:pt x="120000" y="120000"/>
+                </a:lnTo>
+                <a:lnTo>
+                  <a:pt x="0" y="120000"/>
+                </a:lnTo>
+                <a:close/>
+              </a:path>
+            </a:pathLst>
+          </a:custGeom>
+        </p:spPr>
+      </p:sp>
+      <p:sp>
+        <p:nvSpPr>
+          <p:cNvPr id="301" name="Google Shape;301;g890b456e25_0_43:notes"/>
           <p:cNvSpPr txBox="1"/>
           <p:nvPr>
             <p:ph idx="1" type="body"/>
@@ -12111,7 +12411,7 @@
                   <a:srgbClr val="9900FF"/>
                 </a:solidFill>
               </a:rPr>
-              <a:t>3</a:t>
+              <a:t>4</a:t>
             </a:r>
             <a:r>
               <a:rPr lang="ru" sz="1300"/>
@@ -13692,8 +13992,8 @@
         </p:nvSpPr>
         <p:spPr>
           <a:xfrm>
-            <a:off x="141700" y="1263275"/>
-            <a:ext cx="8469000" cy="3543900"/>
+            <a:off x="141700" y="1017725"/>
+            <a:ext cx="8469000" cy="3969300"/>
           </a:xfrm>
           <a:prstGeom prst="rect">
             <a:avLst/>
@@ -13713,6 +14013,11 @@
               <a:spcAft>
                 <a:spcPts val="0"/>
               </a:spcAft>
+              <a:buClr>
+                <a:schemeClr val="dk1"/>
+              </a:buClr>
+              <a:buSzPts val="1100"/>
+              <a:buFont typeface="Arial"/>
               <a:buNone/>
             </a:pPr>
             <a:r>
@@ -13737,7 +14042,26 @@
                   <a:schemeClr val="dk1"/>
                 </a:solidFill>
               </a:rPr>
-              <a:t> по его жены скоро должно было случиться день рождения был случится </a:t>
+              <a:t> </a:t>
+            </a:r>
+            <a:r>
+              <a:rPr lang="ru" sz="1200">
+                <a:solidFill>
+                  <a:schemeClr val="dk1"/>
+                </a:solidFill>
+                <a:highlight>
+                  <a:srgbClr val="FF0000"/>
+                </a:highlight>
+              </a:rPr>
+              <a:t>по</a:t>
+            </a:r>
+            <a:r>
+              <a:rPr lang="ru" sz="1200">
+                <a:solidFill>
+                  <a:schemeClr val="dk1"/>
+                </a:solidFill>
+              </a:rPr>
+              <a:t> его жены скоро должно было случиться день рождения был случится </a:t>
             </a:r>
             <a:r>
               <a:rPr lang="ru" sz="1200">
@@ -13775,7 +14099,102 @@
                   <a:schemeClr val="dk1"/>
                 </a:solidFill>
               </a:rPr>
-              <a:t> мучился не знал как обычно выбрать подарок какой получше он ходил по магазинам выбирал думал чтобы мог купить то хотел купить сумку то он хотел купить часы то манекен но все не получалось выбрать чтонибудь стоящее ноги он отчаялся пришёл спросить у своих детей может быть они дадут какоето дельный совет дети недолго думая сказали с чего бы хотел их мало так как дети сюда больше знают сказали купить ей машину по глупости </a:t>
+              <a:t> мучился не знал как обычно выбрать подарок какой получше он ходил по магазинам выбирал думал чтобы </a:t>
+            </a:r>
+            <a:r>
+              <a:rPr lang="ru" sz="1200">
+                <a:solidFill>
+                  <a:schemeClr val="dk1"/>
+                </a:solidFill>
+                <a:highlight>
+                  <a:srgbClr val="FF0000"/>
+                </a:highlight>
+              </a:rPr>
+              <a:t>мог</a:t>
+            </a:r>
+            <a:r>
+              <a:rPr lang="ru" sz="1200">
+                <a:solidFill>
+                  <a:schemeClr val="dk1"/>
+                </a:solidFill>
+              </a:rPr>
+              <a:t> купить то хотел купить сумку то он хотел купить часы то манекен но все не получалось выбрать чтонибудь стоящее </a:t>
+            </a:r>
+            <a:r>
+              <a:rPr lang="ru" sz="1200">
+                <a:solidFill>
+                  <a:schemeClr val="dk1"/>
+                </a:solidFill>
+                <a:highlight>
+                  <a:srgbClr val="FF0000"/>
+                </a:highlight>
+              </a:rPr>
+              <a:t>ноги</a:t>
+            </a:r>
+            <a:r>
+              <a:rPr lang="ru" sz="1200">
+                <a:solidFill>
+                  <a:schemeClr val="dk1"/>
+                </a:solidFill>
+              </a:rPr>
+              <a:t> он отчаялся пришёл спросить у своих детей может быть они дадут какоето дельный совет дети недолго думая сказали </a:t>
+            </a:r>
+            <a:r>
+              <a:rPr lang="ru" sz="1200">
+                <a:solidFill>
+                  <a:schemeClr val="dk1"/>
+                </a:solidFill>
+                <a:highlight>
+                  <a:srgbClr val="FF0000"/>
+                </a:highlight>
+              </a:rPr>
+              <a:t>с</a:t>
+            </a:r>
+            <a:r>
+              <a:rPr lang="ru" sz="1200">
+                <a:solidFill>
+                  <a:schemeClr val="dk1"/>
+                </a:solidFill>
+              </a:rPr>
+              <a:t> чего бы хотел их </a:t>
+            </a:r>
+            <a:r>
+              <a:rPr lang="ru" sz="1200">
+                <a:solidFill>
+                  <a:schemeClr val="dk1"/>
+                </a:solidFill>
+                <a:highlight>
+                  <a:srgbClr val="FF0000"/>
+                </a:highlight>
+              </a:rPr>
+              <a:t>мало</a:t>
+            </a:r>
+            <a:r>
+              <a:rPr lang="ru" sz="1200">
+                <a:solidFill>
+                  <a:schemeClr val="dk1"/>
+                </a:solidFill>
+              </a:rPr>
+              <a:t> так как дети </a:t>
+            </a:r>
+            <a:r>
+              <a:rPr lang="ru" sz="1200">
+                <a:solidFill>
+                  <a:schemeClr val="dk1"/>
+                </a:solidFill>
+                <a:highlight>
+                  <a:srgbClr val="FF0000"/>
+                </a:highlight>
+              </a:rPr>
+              <a:t>сюда</a:t>
+            </a:r>
+            <a:r>
+              <a:rPr lang="ru" sz="1200">
+                <a:solidFill>
+                  <a:schemeClr val="dk1"/>
+                </a:solidFill>
+              </a:rPr>
+              <a:t> больше знают сказали купить ей машину по глупости </a:t>
             </a:r>
             <a:r>
               <a:rPr lang="ru" sz="1200">
@@ -13848,6 +14267,25 @@
               <a:t> (--&gt; настаивать) приличную сумму стоит денег </a:t>
             </a:r>
             <a:r>
+              <a:rPr lang="ru" sz="1200" u="sng">
+                <a:solidFill>
+                  <a:schemeClr val="dk1"/>
+                </a:solidFill>
+                <a:highlight>
+                  <a:srgbClr val="FF0000"/>
+                </a:highlight>
+              </a:rPr>
+              <a:t>дядечка</a:t>
+            </a:r>
+            <a:r>
+              <a:rPr lang="ru" sz="1200">
+                <a:solidFill>
+                  <a:schemeClr val="dk1"/>
+                </a:solidFill>
+              </a:rPr>
+              <a:t> </a:t>
+            </a:r>
+            <a:r>
               <a:rPr lang="ru" sz="1200">
                 <a:solidFill>
                   <a:schemeClr val="dk1"/>
@@ -13856,7 +14294,7 @@
                   <a:srgbClr val="00FF00"/>
                 </a:highlight>
               </a:rPr>
-              <a:t>дядечка</a:t>
+              <a:t>носок</a:t>
             </a:r>
             <a:r>
               <a:rPr lang="ru" sz="1200">
@@ -13864,7 +14302,7 @@
                   <a:schemeClr val="dk1"/>
                 </a:solidFill>
               </a:rPr>
-              <a:t> </a:t>
+              <a:t> компромисс он купил </a:t>
             </a:r>
             <a:r>
               <a:rPr lang="ru" sz="1200">
@@ -13875,7 +14313,7 @@
                   <a:srgbClr val="00FF00"/>
                 </a:highlight>
               </a:rPr>
-              <a:t>носок</a:t>
+              <a:t>маменьку</a:t>
             </a:r>
             <a:r>
               <a:rPr lang="ru" sz="1200">
@@ -13883,45 +14321,59 @@
                   <a:schemeClr val="dk1"/>
                 </a:solidFill>
               </a:rPr>
-              <a:t> компромисс он купил </a:t>
+              <a:t> </a:t>
+            </a:r>
+            <a:r>
+              <a:rPr lang="ru" sz="1200" u="sng">
+                <a:solidFill>
+                  <a:schemeClr val="dk1"/>
+                </a:solidFill>
+                <a:highlight>
+                  <a:srgbClr val="FF0000"/>
+                </a:highlight>
+              </a:rPr>
+              <a:t>машинку</a:t>
             </a:r>
             <a:r>
               <a:rPr lang="ru" sz="1200">
                 <a:solidFill>
                   <a:schemeClr val="dk1"/>
                 </a:solidFill>
+              </a:rPr>
+              <a:t> подарил её собственно говоря своей жене в общемто не уверен что она была счастлива дети тоже както были смущены один дети осталась на </a:t>
+            </a:r>
+            <a:r>
+              <a:rPr lang="ru" sz="1200">
+                <a:solidFill>
+                  <a:schemeClr val="dk1"/>
+                </a:solidFill>
                 <a:highlight>
-                  <a:srgbClr val="00FF00"/>
+                  <a:srgbClr val="FF0000"/>
                 </a:highlight>
               </a:rPr>
-              <a:t>маменьку</a:t>
-            </a:r>
-            <a:r>
-              <a:rPr lang="ru" sz="1200">
-                <a:solidFill>
-                  <a:schemeClr val="dk1"/>
-                </a:solidFill>
-              </a:rPr>
-              <a:t> </a:t>
-            </a:r>
-            <a:r>
-              <a:rPr lang="ru" sz="1200">
-                <a:solidFill>
-                  <a:schemeClr val="dk1"/>
-                </a:solidFill>
-                <a:highlight>
-                  <a:srgbClr val="00FF00"/>
-                </a:highlight>
-              </a:rPr>
-              <a:t>машинку</a:t>
-            </a:r>
-            <a:r>
-              <a:rPr lang="ru" sz="1200">
-                <a:solidFill>
-                  <a:schemeClr val="dk1"/>
-                </a:solidFill>
-              </a:rPr>
-              <a:t> подарил её собственно говоря своей жене в общемто не уверен что она была счастлива дети тоже както были смущены один дети осталась на воле</a:t>
+              <a:t>воле</a:t>
+            </a:r>
+            <a:endParaRPr sz="700">
+              <a:solidFill>
+                <a:schemeClr val="dk1"/>
+              </a:solidFill>
+              <a:highlight>
+                <a:srgbClr val="FF0000"/>
+              </a:highlight>
+            </a:endParaRPr>
+          </a:p>
+          <a:p>
+            <a:pPr indent="0" lvl="0" marL="0" rtl="0" algn="l">
+              <a:spcBef>
+                <a:spcPts val="0"/>
+              </a:spcBef>
+              <a:spcAft>
+                <a:spcPts val="0"/>
+              </a:spcAft>
+              <a:buNone/>
+            </a:pPr>
+            <a:r>
+              <a:t/>
             </a:r>
             <a:endParaRPr sz="1200">
               <a:solidFill>
@@ -13964,7 +14416,7 @@
                   <a:srgbClr val="38761D"/>
                 </a:solidFill>
               </a:rPr>
-              <a:t>верно исключена из ошибок</a:t>
+              <a:t>верно исключено из ошибок: 2</a:t>
             </a:r>
             <a:endParaRPr b="1" sz="1200" u="sng">
               <a:solidFill>
@@ -13988,7 +14440,7 @@
                   <a:srgbClr val="CC0000"/>
                 </a:solidFill>
               </a:rPr>
-              <a:t>не должна была исключаться из ошибок</a:t>
+              <a:t>не должно было исключаться из ошибок: 1</a:t>
             </a:r>
             <a:endParaRPr b="1" sz="1200" u="sng">
               <a:solidFill>
@@ -13998,6 +14450,41 @@
           </a:p>
           <a:p>
             <a:pPr indent="0" lvl="0" marL="0" rtl="0" algn="l">
+              <a:spcBef>
+                <a:spcPts val="0"/>
+              </a:spcBef>
+              <a:spcAft>
+                <a:spcPts val="0"/>
+              </a:spcAft>
+              <a:buNone/>
+            </a:pPr>
+            <a:r>
+              <a:rPr b="1" lang="ru" sz="1200" u="sng">
+                <a:solidFill>
+                  <a:srgbClr val="000000"/>
+                </a:solidFill>
+                <a:highlight>
+                  <a:srgbClr val="FF0000"/>
+                </a:highlight>
+              </a:rPr>
+              <a:t>должно быть исключено из ошибок, но не исключено:</a:t>
+            </a:r>
+            <a:r>
+              <a:rPr b="1" lang="ru" sz="1200" u="sng">
+                <a:solidFill>
+                  <a:srgbClr val="000000"/>
+                </a:solidFill>
+              </a:rPr>
+              <a:t> 2</a:t>
+            </a:r>
+            <a:endParaRPr b="1" sz="1200" u="sng">
+              <a:solidFill>
+                <a:srgbClr val="000000"/>
+              </a:solidFill>
+            </a:endParaRPr>
+          </a:p>
+          <a:p>
+            <a:pPr indent="0" lvl="0" marL="0" rtl="0" algn="l">
               <a:lnSpc>
                 <a:spcPct val="100000"/>
               </a:lnSpc>
@@ -14045,7 +14532,7 @@
                   <a:srgbClr val="38761D"/>
                 </a:solidFill>
               </a:rPr>
-              <a:t>7</a:t>
+              <a:t>6</a:t>
             </a:r>
             <a:r>
               <a:rPr lang="ru" sz="1400">
@@ -14071,9 +14558,9 @@
               </a:rPr>
               <a:t> ошибок</a:t>
             </a:r>
-            <a:endParaRPr b="1" sz="1500">
+            <a:endParaRPr sz="1400">
               <a:solidFill>
-                <a:srgbClr val="000000"/>
+                <a:schemeClr val="dk1"/>
               </a:solidFill>
             </a:endParaRPr>
           </a:p>
@@ -14096,42 +14583,15 @@
                   <a:srgbClr val="FF0000"/>
                 </a:solidFill>
               </a:rPr>
-              <a:t>1</a:t>
-            </a:r>
-            <a:r>
-              <a:rPr lang="ru" sz="1400">
+              <a:t>3 </a:t>
+            </a:r>
+            <a:r>
+              <a:rPr b="1" lang="ru" sz="1400">
                 <a:solidFill>
                   <a:srgbClr val="000000"/>
                 </a:solidFill>
               </a:rPr>
-              <a:t> ошибка определена неверно</a:t>
-            </a:r>
-            <a:endParaRPr sz="1400">
-              <a:solidFill>
-                <a:srgbClr val="000000"/>
-              </a:solidFill>
-            </a:endParaRPr>
-          </a:p>
-          <a:p>
-            <a:pPr indent="0" lvl="0" marL="0" rtl="0" algn="l">
-              <a:lnSpc>
-                <a:spcPct val="100000"/>
-              </a:lnSpc>
-              <a:spcBef>
-                <a:spcPts val="0"/>
-              </a:spcBef>
-              <a:spcAft>
-                <a:spcPts val="0"/>
-              </a:spcAft>
-              <a:buClr>
-                <a:schemeClr val="dk1"/>
-              </a:buClr>
-              <a:buSzPts val="1100"/>
-              <a:buFont typeface="Arial"/>
-              <a:buNone/>
-            </a:pPr>
-            <a:r>
-              <a:t/>
+              <a:t>ложно опознанные ошибки </a:t>
             </a:r>
             <a:endParaRPr b="1" sz="1400">
               <a:solidFill>
@@ -14645,8 +15105,8 @@
         </p:nvSpPr>
         <p:spPr>
           <a:xfrm>
-            <a:off x="311700" y="445025"/>
-            <a:ext cx="8520600" cy="790800"/>
+            <a:off x="201150" y="91350"/>
+            <a:ext cx="8727600" cy="348300"/>
           </a:xfrm>
           <a:prstGeom prst="rect">
             <a:avLst/>
@@ -14668,10 +15128,10 @@
               <a:buNone/>
             </a:pPr>
             <a:r>
-              <a:rPr lang="ru" sz="2100"/>
+              <a:rPr lang="ru" sz="1600"/>
               <a:t>Сравнительная таблица для оценки качества алгоритма с разными модулями</a:t>
             </a:r>
-            <a:endParaRPr sz="2100"/>
+            <a:endParaRPr sz="1600"/>
           </a:p>
         </p:txBody>
       </p:sp>
@@ -14682,7 +15142,7 @@
           <p:nvPr/>
         </p:nvGraphicFramePr>
         <p:xfrm>
-          <a:off x="711675" y="1537050"/>
+          <a:off x="279850" y="598450"/>
           <a:ext cx="3000000" cy="3000000"/>
         </p:xfrm>
         <a:graphic>
@@ -14690,15 +15150,15 @@
             <a:tbl>
               <a:tblPr>
                 <a:noFill/>
-                <a:tableStyleId>{04DB4E49-2F8A-4BC5-8471-26088E739BF1}</a:tableStyleId>
+                <a:tableStyleId>{041550E9-CA18-4A04-B6E1-A89C3CB812BC}</a:tableStyleId>
               </a:tblPr>
               <a:tblGrid>
-                <a:gridCol w="1978450"/>
-                <a:gridCol w="1978450"/>
-                <a:gridCol w="1978450"/>
-                <a:gridCol w="1978450"/>
+                <a:gridCol w="2162225"/>
+                <a:gridCol w="2162225"/>
+                <a:gridCol w="2162225"/>
+                <a:gridCol w="2162225"/>
               </a:tblGrid>
-              <a:tr h="381000">
+              <a:tr h="657350">
                 <a:tc>
                   <a:txBody>
                     <a:bodyPr/>
@@ -14714,10 +15174,10 @@
                         <a:buNone/>
                       </a:pPr>
                       <a:r>
-                        <a:rPr b="1" lang="ru"/>
+                        <a:rPr b="1" lang="ru" sz="1200"/>
                         <a:t>Модель транскрибатора</a:t>
                       </a:r>
-                      <a:endParaRPr b="1"/>
+                      <a:endParaRPr b="1" sz="1200"/>
                     </a:p>
                   </a:txBody>
                   <a:tcPr marT="91425" marB="91425" marR="91425" marL="91425"/>
@@ -14737,10 +15197,10 @@
                         <a:buNone/>
                       </a:pPr>
                       <a:r>
-                        <a:rPr b="1" lang="ru"/>
+                        <a:rPr b="1" lang="ru" sz="1200"/>
                         <a:t>Марковские цепи и Левенштейн (корпус 1)</a:t>
                       </a:r>
-                      <a:endParaRPr b="1"/>
+                      <a:endParaRPr b="1" sz="1200"/>
                     </a:p>
                   </a:txBody>
                   <a:tcPr marT="91425" marB="91425" marR="91425" marL="91425"/>
@@ -14750,21 +15210,21 @@
                     <a:bodyPr/>
                     <a:lstStyle/>
                     <a:p>
-                      <a:pPr indent="-317500" lvl="0" marL="457200" rtl="0" algn="l">
+                      <a:pPr indent="-304800" lvl="0" marL="457200" rtl="0" algn="l">
                         <a:spcBef>
                           <a:spcPts val="0"/>
                         </a:spcBef>
                         <a:spcAft>
                           <a:spcPts val="0"/>
                         </a:spcAft>
-                        <a:buSzPts val="1400"/>
+                        <a:buSzPts val="1200"/>
                         <a:buChar char="+"/>
                       </a:pPr>
                       <a:r>
-                        <a:rPr b="1" lang="ru"/>
+                        <a:rPr b="1" lang="ru" sz="1200"/>
                         <a:t>Векторная модель</a:t>
                       </a:r>
-                      <a:endParaRPr b="1"/>
+                      <a:endParaRPr b="1" sz="1200"/>
                     </a:p>
                   </a:txBody>
                   <a:tcPr marT="91425" marB="91425" marR="91425" marL="91425"/>
@@ -14789,20 +15249,20 @@
                         <a:buNone/>
                       </a:pPr>
                       <a:r>
-                        <a:rPr b="1" lang="ru">
+                        <a:rPr b="1" lang="ru" sz="1200">
                           <a:solidFill>
                             <a:schemeClr val="dk1"/>
                           </a:solidFill>
                         </a:rPr>
                         <a:t>Марковские цепи и Левенштейн (корпус 2)</a:t>
                       </a:r>
-                      <a:endParaRPr b="1"/>
+                      <a:endParaRPr b="1" sz="1200"/>
                     </a:p>
                   </a:txBody>
                   <a:tcPr marT="91425" marB="91425" marR="91425" marL="91425"/>
                 </a:tc>
               </a:tr>
-              <a:tr h="381000">
+              <a:tr h="1953275">
                 <a:tc>
                   <a:txBody>
                     <a:bodyPr/>
@@ -15090,6 +15550,142 @@
                       <a:r>
                         <a:t/>
                       </a:r>
+                      <a:endParaRPr sz="1100"/>
+                    </a:p>
+                    <a:p>
+                      <a:pPr indent="0" lvl="0" marL="0" rtl="0" algn="l">
+                        <a:spcBef>
+                          <a:spcPts val="0"/>
+                        </a:spcBef>
+                        <a:spcAft>
+                          <a:spcPts val="0"/>
+                        </a:spcAft>
+                        <a:buNone/>
+                      </a:pPr>
+                      <a:r>
+                        <a:rPr b="1" lang="ru" sz="1100"/>
+                        <a:t>После изменений числовых порогов:</a:t>
+                      </a:r>
+                      <a:r>
+                        <a:rPr lang="ru" sz="1100"/>
+                        <a:t> </a:t>
+                      </a:r>
+                      <a:endParaRPr sz="1100"/>
+                    </a:p>
+                    <a:p>
+                      <a:pPr indent="0" lvl="0" marL="0" rtl="0" algn="l">
+                        <a:spcBef>
+                          <a:spcPts val="0"/>
+                        </a:spcBef>
+                        <a:spcAft>
+                          <a:spcPts val="0"/>
+                        </a:spcAft>
+                        <a:buNone/>
+                      </a:pPr>
+                      <a:r>
+                        <a:rPr lang="ru" sz="1000">
+                          <a:solidFill>
+                            <a:schemeClr val="dk1"/>
+                          </a:solidFill>
+                          <a:highlight>
+                            <a:srgbClr val="FFFFFF"/>
+                          </a:highlight>
+                        </a:rPr>
+                        <a:t>Precision: 0.6301</a:t>
+                      </a:r>
+                      <a:endParaRPr sz="1000">
+                        <a:solidFill>
+                          <a:schemeClr val="dk1"/>
+                        </a:solidFill>
+                        <a:highlight>
+                          <a:srgbClr val="FFFFFF"/>
+                        </a:highlight>
+                      </a:endParaRPr>
+                    </a:p>
+                    <a:p>
+                      <a:pPr indent="0" lvl="0" marL="0" rtl="0" algn="l">
+                        <a:spcBef>
+                          <a:spcPts val="0"/>
+                        </a:spcBef>
+                        <a:spcAft>
+                          <a:spcPts val="0"/>
+                        </a:spcAft>
+                        <a:buNone/>
+                      </a:pPr>
+                      <a:r>
+                        <a:rPr lang="ru" sz="1000">
+                          <a:solidFill>
+                            <a:schemeClr val="dk1"/>
+                          </a:solidFill>
+                          <a:highlight>
+                            <a:srgbClr val="FFFFFF"/>
+                          </a:highlight>
+                        </a:rPr>
+                        <a:t>Recall: 0.4107</a:t>
+                      </a:r>
+                      <a:endParaRPr sz="1000">
+                        <a:solidFill>
+                          <a:schemeClr val="dk1"/>
+                        </a:solidFill>
+                        <a:highlight>
+                          <a:srgbClr val="FFFFFF"/>
+                        </a:highlight>
+                      </a:endParaRPr>
+                    </a:p>
+                    <a:p>
+                      <a:pPr indent="0" lvl="0" marL="0" rtl="0" algn="l">
+                        <a:spcBef>
+                          <a:spcPts val="0"/>
+                        </a:spcBef>
+                        <a:spcAft>
+                          <a:spcPts val="0"/>
+                        </a:spcAft>
+                        <a:buNone/>
+                      </a:pPr>
+                      <a:r>
+                        <a:rPr lang="ru" sz="1000">
+                          <a:solidFill>
+                            <a:schemeClr val="dk1"/>
+                          </a:solidFill>
+                          <a:highlight>
+                            <a:srgbClr val="FFFFFF"/>
+                          </a:highlight>
+                        </a:rPr>
+                        <a:t>F1: 0.4973</a:t>
+                      </a:r>
+                      <a:endParaRPr sz="1000">
+                        <a:solidFill>
+                          <a:schemeClr val="dk1"/>
+                        </a:solidFill>
+                        <a:highlight>
+                          <a:srgbClr val="FFFFFF"/>
+                        </a:highlight>
+                      </a:endParaRPr>
+                    </a:p>
+                    <a:p>
+                      <a:pPr indent="0" lvl="0" marL="0" rtl="0" algn="l">
+                        <a:lnSpc>
+                          <a:spcPct val="115000"/>
+                        </a:lnSpc>
+                        <a:spcBef>
+                          <a:spcPts val="0"/>
+                        </a:spcBef>
+                        <a:spcAft>
+                          <a:spcPts val="0"/>
+                        </a:spcAft>
+                        <a:buNone/>
+                      </a:pPr>
+                      <a:r>
+                        <a:rPr lang="ru" sz="1000">
+                          <a:solidFill>
+                            <a:schemeClr val="dk1"/>
+                          </a:solidFill>
+                          <a:highlight>
+                            <a:srgbClr val="FFFFFF"/>
+                          </a:highlight>
+                        </a:rPr>
+                        <a:t>Accuracy: 0.9071</a:t>
+                      </a:r>
                       <a:endParaRPr/>
                     </a:p>
                   </a:txBody>
@@ -15250,7 +15846,7 @@
                   <a:tcPr marT="91425" marB="91425" marR="91425" marL="91425"/>
                 </a:tc>
               </a:tr>
-              <a:tr h="381000">
+              <a:tr h="1934425">
                 <a:tc>
                   <a:txBody>
                     <a:bodyPr/>
@@ -15569,10 +16165,13 @@
                         </a:rPr>
                         <a:t>0.8495</a:t>
                       </a:r>
-                      <a:endParaRPr sz="1050">
+                      <a:endParaRPr sz="1000">
                         <a:solidFill>
                           <a:schemeClr val="dk1"/>
                         </a:solidFill>
+                        <a:highlight>
+                          <a:srgbClr val="FFFFFF"/>
+                        </a:highlight>
                       </a:endParaRPr>
                     </a:p>
                     <a:p>
@@ -15587,6 +16186,169 @@
                       </a:pPr>
                       <a:r>
                         <a:t/>
+                      </a:r>
+                      <a:endParaRPr sz="1000">
+                        <a:solidFill>
+                          <a:schemeClr val="dk1"/>
+                        </a:solidFill>
+                        <a:highlight>
+                          <a:srgbClr val="FFFFFF"/>
+                        </a:highlight>
+                      </a:endParaRPr>
+                    </a:p>
+                    <a:p>
+                      <a:pPr indent="0" lvl="0" marL="0" rtl="0" algn="l">
+                        <a:spcBef>
+                          <a:spcPts val="0"/>
+                        </a:spcBef>
+                        <a:spcAft>
+                          <a:spcPts val="0"/>
+                        </a:spcAft>
+                        <a:buClr>
+                          <a:schemeClr val="dk1"/>
+                        </a:buClr>
+                        <a:buSzPts val="1100"/>
+                        <a:buFont typeface="Arial"/>
+                        <a:buNone/>
+                      </a:pPr>
+                      <a:r>
+                        <a:rPr b="1" lang="ru" sz="1100">
+                          <a:solidFill>
+                            <a:schemeClr val="dk1"/>
+                          </a:solidFill>
+                        </a:rPr>
+                        <a:t>После изменений числовых порогов:</a:t>
+                      </a:r>
+                      <a:r>
+                        <a:rPr lang="ru" sz="1100">
+                          <a:solidFill>
+                            <a:schemeClr val="dk1"/>
+                          </a:solidFill>
+                        </a:rPr>
+                        <a:t> </a:t>
+                      </a:r>
+                      <a:endParaRPr sz="1000">
+                        <a:solidFill>
+                          <a:schemeClr val="dk1"/>
+                        </a:solidFill>
+                        <a:highlight>
+                          <a:srgbClr val="FFFFFF"/>
+                        </a:highlight>
+                      </a:endParaRPr>
+                    </a:p>
+                    <a:p>
+                      <a:pPr indent="0" lvl="0" marL="0" rtl="0" algn="l">
+                        <a:spcBef>
+                          <a:spcPts val="0"/>
+                        </a:spcBef>
+                        <a:spcAft>
+                          <a:spcPts val="0"/>
+                        </a:spcAft>
+                        <a:buNone/>
+                      </a:pPr>
+                      <a:r>
+                        <a:rPr lang="ru" sz="1000">
+                          <a:solidFill>
+                            <a:schemeClr val="dk1"/>
+                          </a:solidFill>
+                          <a:highlight>
+                            <a:srgbClr val="FFFFFF"/>
+                          </a:highlight>
+                        </a:rPr>
+                        <a:t>Precision: 0.4833</a:t>
+                      </a:r>
+                      <a:endParaRPr sz="1000">
+                        <a:solidFill>
+                          <a:schemeClr val="dk1"/>
+                        </a:solidFill>
+                        <a:highlight>
+                          <a:srgbClr val="FFFFFF"/>
+                        </a:highlight>
+                      </a:endParaRPr>
+                    </a:p>
+                    <a:p>
+                      <a:pPr indent="0" lvl="0" marL="0" rtl="0" algn="l">
+                        <a:spcBef>
+                          <a:spcPts val="0"/>
+                        </a:spcBef>
+                        <a:spcAft>
+                          <a:spcPts val="0"/>
+                        </a:spcAft>
+                        <a:buNone/>
+                      </a:pPr>
+                      <a:r>
+                        <a:rPr lang="ru" sz="1000">
+                          <a:solidFill>
+                            <a:schemeClr val="dk1"/>
+                          </a:solidFill>
+                          <a:highlight>
+                            <a:srgbClr val="FFFFFF"/>
+                          </a:highlight>
+                        </a:rPr>
+                        <a:t>Recall: 0.2000</a:t>
+                      </a:r>
+                      <a:endParaRPr sz="1000">
+                        <a:solidFill>
+                          <a:schemeClr val="dk1"/>
+                        </a:solidFill>
+                        <a:highlight>
+                          <a:srgbClr val="FFFFFF"/>
+                        </a:highlight>
+                      </a:endParaRPr>
+                    </a:p>
+                    <a:p>
+                      <a:pPr indent="0" lvl="0" marL="0" rtl="0" algn="l">
+                        <a:spcBef>
+                          <a:spcPts val="0"/>
+                        </a:spcBef>
+                        <a:spcAft>
+                          <a:spcPts val="0"/>
+                        </a:spcAft>
+                        <a:buNone/>
+                      </a:pPr>
+                      <a:r>
+                        <a:rPr lang="ru" sz="1000">
+                          <a:solidFill>
+                            <a:schemeClr val="dk1"/>
+                          </a:solidFill>
+                          <a:highlight>
+                            <a:srgbClr val="FFFFFF"/>
+                          </a:highlight>
+                        </a:rPr>
+                        <a:t>F1: 0.2829</a:t>
+                      </a:r>
+                      <a:endParaRPr sz="1000">
+                        <a:solidFill>
+                          <a:schemeClr val="dk1"/>
+                        </a:solidFill>
+                        <a:highlight>
+                          <a:srgbClr val="FFFFFF"/>
+                        </a:highlight>
+                      </a:endParaRPr>
+                    </a:p>
+                    <a:p>
+                      <a:pPr indent="0" lvl="0" marL="0" rtl="0" algn="l">
+                        <a:lnSpc>
+                          <a:spcPct val="115000"/>
+                        </a:lnSpc>
+                        <a:spcBef>
+                          <a:spcPts val="0"/>
+                        </a:spcBef>
+                        <a:spcAft>
+                          <a:spcPts val="0"/>
+                        </a:spcAft>
+                        <a:buNone/>
+                      </a:pPr>
+                      <a:r>
+                        <a:rPr lang="ru" sz="1000">
+                          <a:solidFill>
+                            <a:schemeClr val="dk1"/>
+                          </a:solidFill>
+                          <a:highlight>
+                            <a:srgbClr val="FFFFFF"/>
+                          </a:highlight>
+                        </a:rPr>
+                        <a:t>Accuracy: 0.8485</a:t>
                       </a:r>
                       <a:endParaRPr/>
                     </a:p>
@@ -15851,7 +16613,7 @@
             </a:pPr>
             <a:r>
               <a:rPr lang="ru"/>
-              <a:t>Возможное дальнейшее развитие проекта</a:t>
+              <a:t>Возможное дальнейшее развитие проекта </a:t>
             </a:r>
             <a:endParaRPr/>
           </a:p>
@@ -15899,7 +16661,7 @@
                   <a:schemeClr val="dk1"/>
                 </a:solidFill>
               </a:rPr>
-              <a:t>Оптимизация модуля поиска ложно найденных ошибок:</a:t>
+              <a:t>Оптимизация модуля поиска ложно найденных ошибок на основе модели word2vec:</a:t>
             </a:r>
             <a:endParaRPr sz="1400">
               <a:solidFill>
@@ -15927,7 +16689,7 @@
                   <a:schemeClr val="dk1"/>
                 </a:solidFill>
               </a:rPr>
-              <a:t>применение иных векторных моделей </a:t>
+              <a:t>применить иные векторные модели</a:t>
             </a:r>
             <a:endParaRPr sz="1400">
               <a:solidFill>
@@ -15955,7 +16717,7 @@
                   <a:schemeClr val="dk1"/>
                 </a:solidFill>
               </a:rPr>
-              <a:t>установить иные числовые пороги для фильтрации ошибочных биграмм</a:t>
+              <a:t>ввести числовые пороги для косинусной близости семантических ассоциатов слову-ошибке, а также порог для вероятности семантического ассоциата в марковской цепи</a:t>
             </a:r>
             <a:endParaRPr sz="1400">
               <a:solidFill>
@@ -16165,13 +16927,13 @@
           <p:cNvPr id="278" name="Google Shape;278;p41"/>
           <p:cNvSpPr txBox="1"/>
           <p:nvPr>
-            <p:ph idx="1" type="body"/>
+            <p:ph type="title"/>
           </p:nvPr>
         </p:nvSpPr>
         <p:spPr>
           <a:xfrm>
-            <a:off x="311700" y="1152475"/>
-            <a:ext cx="8520600" cy="1314300"/>
+            <a:off x="120325" y="192375"/>
+            <a:ext cx="8712000" cy="439200"/>
           </a:xfrm>
           <a:prstGeom prst="rect">
             <a:avLst/>
@@ -16183,207 +16945,87 @@
           </a:bodyPr>
           <a:lstStyle/>
           <a:p>
-            <a:pPr indent="0" lvl="0" marL="0" rtl="0" algn="ctr">
-              <a:spcBef>
-                <a:spcPts val="0"/>
-              </a:spcBef>
-              <a:spcAft>
+            <a:pPr indent="0" lvl="0" marL="457200" rtl="0" algn="ctr">
+              <a:lnSpc>
+                <a:spcPct val="115000"/>
+              </a:lnSpc>
+              <a:spcBef>
+                <a:spcPts val="0"/>
+              </a:spcBef>
+              <a:spcAft>
+                <a:spcPts val="0"/>
+              </a:spcAft>
+              <a:buNone/>
+            </a:pPr>
+            <a:r>
+              <a:rPr b="1" lang="ru" sz="1500"/>
+              <a:t>Оптимизация модуля поиска ложно найденных ошибок на основе модели word2vec:</a:t>
+            </a:r>
+            <a:endParaRPr b="1" sz="1500"/>
+          </a:p>
+          <a:p>
+            <a:pPr indent="-317500" lvl="0" marL="457200" rtl="0" algn="l">
+              <a:lnSpc>
+                <a:spcPct val="115000"/>
+              </a:lnSpc>
+              <a:spcBef>
                 <a:spcPts val="1600"/>
-              </a:spcAft>
-              <a:buNone/>
-            </a:pPr>
-            <a:r>
-              <a:rPr lang="ru" sz="4800">
-                <a:solidFill>
-                  <a:schemeClr val="dk1"/>
-                </a:solidFill>
-              </a:rPr>
-              <a:t>Спасибо за внимание!</a:t>
-            </a:r>
-            <a:endParaRPr/>
+              </a:spcBef>
+              <a:spcAft>
+                <a:spcPts val="0"/>
+              </a:spcAft>
+              <a:buSzPts val="1400"/>
+              <a:buChar char="●"/>
+            </a:pPr>
+            <a:r>
+              <a:rPr lang="ru" sz="1400"/>
+              <a:t>порог для косинусной близости семантических ассоциатов слову-ошибке</a:t>
+            </a:r>
+            <a:endParaRPr sz="1400"/>
+          </a:p>
+          <a:p>
+            <a:pPr indent="-317500" lvl="0" marL="457200" rtl="0" algn="l">
+              <a:lnSpc>
+                <a:spcPct val="115000"/>
+              </a:lnSpc>
+              <a:spcBef>
+                <a:spcPts val="0"/>
+              </a:spcBef>
+              <a:spcAft>
+                <a:spcPts val="0"/>
+              </a:spcAft>
+              <a:buSzPts val="1400"/>
+              <a:buChar char="●"/>
+            </a:pPr>
+            <a:r>
+              <a:rPr lang="ru" sz="1400"/>
+              <a:t>порог для вероятности семантического ассоциата в марковской цепи</a:t>
+            </a:r>
+            <a:endParaRPr sz="1400"/>
+          </a:p>
+          <a:p>
+            <a:pPr indent="0" lvl="0" marL="457200" rtl="0" algn="l">
+              <a:lnSpc>
+                <a:spcPct val="115000"/>
+              </a:lnSpc>
+              <a:spcBef>
+                <a:spcPts val="1600"/>
+              </a:spcBef>
+              <a:spcAft>
+                <a:spcPts val="1600"/>
+              </a:spcAft>
+              <a:buNone/>
+            </a:pPr>
+            <a:r>
+              <a:t/>
+            </a:r>
+            <a:endParaRPr sz="1400"/>
           </a:p>
         </p:txBody>
       </p:sp>
       <p:sp>
         <p:nvSpPr>
           <p:cNvPr id="279" name="Google Shape;279;p41"/>
-          <p:cNvSpPr txBox="1"/>
-          <p:nvPr/>
-        </p:nvSpPr>
-        <p:spPr>
-          <a:xfrm>
-            <a:off x="4646575" y="2886600"/>
-            <a:ext cx="4298400" cy="1914600"/>
-          </a:xfrm>
-          <a:prstGeom prst="rect">
-            <a:avLst/>
-          </a:prstGeom>
-          <a:noFill/>
-          <a:ln>
-            <a:noFill/>
-          </a:ln>
-        </p:spPr>
-        <p:txBody>
-          <a:bodyPr anchorCtr="0" anchor="t" bIns="91425" lIns="91425" spcFirstLastPara="1" rIns="91425" wrap="square" tIns="91425">
-            <a:noAutofit/>
-          </a:bodyPr>
-          <a:lstStyle/>
-          <a:p>
-            <a:pPr indent="0" lvl="0" marL="0" rtl="0" algn="l">
-              <a:lnSpc>
-                <a:spcPct val="115000"/>
-              </a:lnSpc>
-              <a:spcBef>
-                <a:spcPts val="0"/>
-              </a:spcBef>
-              <a:spcAft>
-                <a:spcPts val="0"/>
-              </a:spcAft>
-              <a:buNone/>
-            </a:pPr>
-            <a:r>
-              <a:rPr lang="ru" sz="1200">
-                <a:solidFill>
-                  <a:schemeClr val="dk1"/>
-                </a:solidFill>
-              </a:rPr>
-              <a:t>Репозиторий проекта находится по адресу:</a:t>
-            </a:r>
-            <a:r>
-              <a:rPr lang="ru" sz="1200">
-                <a:solidFill>
-                  <a:schemeClr val="dk1"/>
-                </a:solidFill>
-                <a:uFill>
-                  <a:noFill/>
-                </a:uFill>
-                <a:hlinkClick r:id="rId3"/>
-              </a:rPr>
-              <a:t> </a:t>
-            </a:r>
-            <a:endParaRPr sz="1200" u="sng">
-              <a:solidFill>
-                <a:schemeClr val="hlink"/>
-              </a:solidFill>
-            </a:endParaRPr>
-          </a:p>
-          <a:p>
-            <a:pPr indent="0" lvl="0" marL="0" rtl="0" algn="l">
-              <a:lnSpc>
-                <a:spcPct val="115000"/>
-              </a:lnSpc>
-              <a:spcBef>
-                <a:spcPts val="0"/>
-              </a:spcBef>
-              <a:spcAft>
-                <a:spcPts val="0"/>
-              </a:spcAft>
-              <a:buClr>
-                <a:schemeClr val="dk1"/>
-              </a:buClr>
-              <a:buSzPts val="1100"/>
-              <a:buFont typeface="Arial"/>
-              <a:buNone/>
-            </a:pPr>
-            <a:r>
-              <a:rPr lang="ru" sz="1100" u="sng">
-                <a:solidFill>
-                  <a:schemeClr val="hlink"/>
-                </a:solidFill>
-                <a:hlinkClick r:id="rId4"/>
-              </a:rPr>
-              <a:t>https://github.com/smekur/Spoken_Corpora_with_Kaldi/tree/master/mistakes_search</a:t>
-            </a:r>
-            <a:endParaRPr sz="1200" u="sng">
-              <a:solidFill>
-                <a:schemeClr val="hlink"/>
-              </a:solidFill>
-            </a:endParaRPr>
-          </a:p>
-          <a:p>
-            <a:pPr indent="0" lvl="0" marL="0" rtl="0" algn="l">
-              <a:lnSpc>
-                <a:spcPct val="115000"/>
-              </a:lnSpc>
-              <a:spcBef>
-                <a:spcPts val="1600"/>
-              </a:spcBef>
-              <a:spcAft>
-                <a:spcPts val="0"/>
-              </a:spcAft>
-              <a:buClr>
-                <a:schemeClr val="dk1"/>
-              </a:buClr>
-              <a:buSzPts val="1100"/>
-              <a:buFont typeface="Arial"/>
-              <a:buNone/>
-            </a:pPr>
-            <a:r>
-              <a:rPr lang="ru" sz="1200">
-                <a:solidFill>
-                  <a:schemeClr val="dk1"/>
-                </a:solidFill>
-              </a:rPr>
-              <a:t>Электронная почта Смирновой Е.: ekanerina@yandex.com</a:t>
-            </a:r>
-            <a:endParaRPr sz="1200">
-              <a:solidFill>
-                <a:schemeClr val="dk1"/>
-              </a:solidFill>
-            </a:endParaRPr>
-          </a:p>
-          <a:p>
-            <a:pPr indent="0" lvl="0" marL="0" rtl="0" algn="l">
-              <a:lnSpc>
-                <a:spcPct val="115000"/>
-              </a:lnSpc>
-              <a:spcBef>
-                <a:spcPts val="1600"/>
-              </a:spcBef>
-              <a:spcAft>
-                <a:spcPts val="0"/>
-              </a:spcAft>
-              <a:buClr>
-                <a:schemeClr val="dk1"/>
-              </a:buClr>
-              <a:buSzPts val="1100"/>
-              <a:buFont typeface="Arial"/>
-              <a:buNone/>
-            </a:pPr>
-            <a:r>
-              <a:rPr lang="ru" sz="1200">
-                <a:solidFill>
-                  <a:schemeClr val="dk1"/>
-                </a:solidFill>
-              </a:rPr>
-              <a:t>Электронная почта Черной А.: khokhlova_as@mail.ru </a:t>
-            </a:r>
-            <a:endParaRPr sz="1200">
-              <a:solidFill>
-                <a:schemeClr val="dk1"/>
-              </a:solidFill>
-            </a:endParaRPr>
-          </a:p>
-          <a:p>
-            <a:pPr indent="0" lvl="0" marL="0" rtl="0" algn="l">
-              <a:spcBef>
-                <a:spcPts val="1600"/>
-              </a:spcBef>
-              <a:spcAft>
-                <a:spcPts val="0"/>
-              </a:spcAft>
-              <a:buNone/>
-            </a:pPr>
-            <a:r>
-              <a:t/>
-            </a:r>
-            <a:endParaRPr/>
-          </a:p>
-        </p:txBody>
-      </p:sp>
-      <p:sp>
-        <p:nvSpPr>
-          <p:cNvPr id="280" name="Google Shape;280;p41"/>
           <p:cNvSpPr txBox="1"/>
           <p:nvPr>
             <p:ph idx="12" type="sldNum"/>
@@ -16421,6 +17063,145 @@
           </a:p>
         </p:txBody>
       </p:sp>
+      <p:pic>
+        <p:nvPicPr>
+          <p:cNvPr id="280" name="Google Shape;280;p41"/>
+          <p:cNvPicPr preferRelativeResize="0"/>
+          <p:nvPr/>
+        </p:nvPicPr>
+        <p:blipFill rotWithShape="1">
+          <a:blip r:embed="rId3">
+            <a:alphaModFix/>
+          </a:blip>
+          <a:srcRect b="0" l="0" r="0" t="-12170"/>
+          <a:stretch/>
+        </p:blipFill>
+        <p:spPr>
+          <a:xfrm>
+            <a:off x="311700" y="1985800"/>
+            <a:ext cx="3021499" cy="1765400"/>
+          </a:xfrm>
+          <a:prstGeom prst="rect">
+            <a:avLst/>
+          </a:prstGeom>
+          <a:noFill/>
+          <a:ln>
+            <a:noFill/>
+          </a:ln>
+        </p:spPr>
+      </p:pic>
+      <p:sp>
+        <p:nvSpPr>
+          <p:cNvPr id="281" name="Google Shape;281;p41"/>
+          <p:cNvSpPr/>
+          <p:nvPr/>
+        </p:nvSpPr>
+        <p:spPr>
+          <a:xfrm>
+            <a:off x="4152200" y="1530325"/>
+            <a:ext cx="3951000" cy="3526500"/>
+          </a:xfrm>
+          <a:prstGeom prst="roundRect">
+            <a:avLst>
+              <a:gd fmla="val 16667" name="adj"/>
+            </a:avLst>
+          </a:prstGeom>
+          <a:solidFill>
+            <a:srgbClr val="F1C232"/>
+          </a:solidFill>
+          <a:ln cap="flat" cmpd="sng" w="9525">
+            <a:solidFill>
+              <a:schemeClr val="dk2"/>
+            </a:solidFill>
+            <a:prstDash val="solid"/>
+            <a:round/>
+            <a:headEnd len="sm" w="sm" type="none"/>
+            <a:tailEnd len="sm" w="sm" type="none"/>
+          </a:ln>
+        </p:spPr>
+        <p:txBody>
+          <a:bodyPr anchorCtr="0" anchor="ctr" bIns="91425" lIns="91425" spcFirstLastPara="1" rIns="91425" wrap="square" tIns="91425">
+            <a:noAutofit/>
+          </a:bodyPr>
+          <a:lstStyle/>
+          <a:p>
+            <a:pPr indent="0" lvl="0" marL="0" rtl="0" algn="l">
+              <a:spcBef>
+                <a:spcPts val="0"/>
+              </a:spcBef>
+              <a:spcAft>
+                <a:spcPts val="0"/>
+              </a:spcAft>
+              <a:buNone/>
+            </a:pPr>
+            <a:r>
+              <a:rPr b="1" lang="ru">
+                <a:solidFill>
+                  <a:srgbClr val="FFFFFF"/>
+                </a:solidFill>
+              </a:rPr>
+              <a:t>Если косинусная близость семантического ассоциата из этих 10  больше некоторого установленного порога, то достаточно, чтобы вероятность этого ассоциата в марковской цепи была больше нуля, чтобы мы не считали ошибкой исходное слово в ‘ошибочной’ биграме.</a:t>
+            </a:r>
+            <a:endParaRPr b="1">
+              <a:solidFill>
+                <a:srgbClr val="FFFFFF"/>
+              </a:solidFill>
+            </a:endParaRPr>
+          </a:p>
+          <a:p>
+            <a:pPr indent="0" lvl="0" marL="0" rtl="0" algn="l">
+              <a:spcBef>
+                <a:spcPts val="0"/>
+              </a:spcBef>
+              <a:spcAft>
+                <a:spcPts val="0"/>
+              </a:spcAft>
+              <a:buNone/>
+            </a:pPr>
+            <a:r>
+              <a:rPr b="1" lang="ru">
+                <a:solidFill>
+                  <a:srgbClr val="FFFFFF"/>
+                </a:solidFill>
+              </a:rPr>
+              <a:t>Если косинусная близость меньше некоторого установленного порога, то мы устанавливаем новый порог (отличный от 0) для условной вероятности семантического ассоциата в марковской цепи. </a:t>
+            </a:r>
+            <a:endParaRPr b="1">
+              <a:solidFill>
+                <a:srgbClr val="FFFFFF"/>
+              </a:solidFill>
+            </a:endParaRPr>
+          </a:p>
+        </p:txBody>
+      </p:sp>
+      <p:cxnSp>
+        <p:nvCxnSpPr>
+          <p:cNvPr id="282" name="Google Shape;282;p41"/>
+          <p:cNvCxnSpPr>
+            <a:stCxn id="280" idx="3"/>
+          </p:cNvCxnSpPr>
+          <p:nvPr/>
+        </p:nvCxnSpPr>
+        <p:spPr>
+          <a:xfrm>
+            <a:off x="3333199" y="2868500"/>
+            <a:ext cx="819000" cy="10500"/>
+          </a:xfrm>
+          <a:prstGeom prst="straightConnector1">
+            <a:avLst/>
+          </a:prstGeom>
+          <a:noFill/>
+          <a:ln cap="flat" cmpd="sng" w="9525">
+            <a:solidFill>
+              <a:schemeClr val="dk2"/>
+            </a:solidFill>
+            <a:prstDash val="solid"/>
+            <a:round/>
+            <a:headEnd len="med" w="med" type="none"/>
+            <a:tailEnd len="med" w="med" type="triangle"/>
+          </a:ln>
+        </p:spPr>
+      </p:cxnSp>
     </p:spTree>
   </p:cSld>
   <p:clrMapOvr>
@@ -17463,6 +18244,1867 @@
       <p:sp>
         <p:nvSpPr>
           <p:cNvPr id="72" name="Google Shape;72;p15"/>
+          <p:cNvSpPr txBox="1"/>
+          <p:nvPr>
+            <p:ph idx="12" type="sldNum"/>
+          </p:nvPr>
+        </p:nvSpPr>
+        <p:spPr>
+          <a:xfrm>
+            <a:off x="8472458" y="4663217"/>
+            <a:ext cx="548700" cy="393600"/>
+          </a:xfrm>
+          <a:prstGeom prst="rect">
+            <a:avLst/>
+          </a:prstGeom>
+        </p:spPr>
+        <p:txBody>
+          <a:bodyPr anchorCtr="0" anchor="ctr" bIns="91425" lIns="91425" spcFirstLastPara="1" rIns="91425" wrap="square" tIns="91425">
+            <a:noAutofit/>
+          </a:bodyPr>
+          <a:lstStyle/>
+          <a:p>
+            <a:pPr indent="0" lvl="0" marL="0" rtl="0" algn="r">
+              <a:spcBef>
+                <a:spcPts val="0"/>
+              </a:spcBef>
+              <a:spcAft>
+                <a:spcPts val="0"/>
+              </a:spcAft>
+              <a:buNone/>
+            </a:pPr>
+            <a:fld id="{00000000-1234-1234-1234-123412341234}" type="slidenum">
+              <a:rPr lang="ru"/>
+              <a:t>‹#›</a:t>
+            </a:fld>
+            <a:endParaRPr/>
+          </a:p>
+        </p:txBody>
+      </p:sp>
+    </p:spTree>
+  </p:cSld>
+  <p:clrMapOvr>
+    <a:masterClrMapping/>
+  </p:clrMapOvr>
+</p:sld>
+</file>
+
+<file path=ppt/slides/slide30.xml><?xml version="1.0" encoding="utf-8"?>
+<p:sld xmlns:a="http://schemas.openxmlformats.org/drawingml/2006/main" xmlns:r="http://schemas.openxmlformats.org/officeDocument/2006/relationships" xmlns:mc="http://schemas.openxmlformats.org/markup-compatibility/2006" xmlns:mv="urn:schemas-microsoft-com:mac:vml" xmlns:p="http://schemas.openxmlformats.org/presentationml/2006/main" xmlns:c="http://schemas.openxmlformats.org/drawingml/2006/chart" xmlns:dgm="http://schemas.openxmlformats.org/drawingml/2006/diagram" xmlns:o="urn:schemas-microsoft-com:office:office" xmlns:v="urn:schemas-microsoft-com:vml" xmlns:pvml="urn:schemas-microsoft-com:office:powerpoint" xmlns:com="http://schemas.openxmlformats.org/drawingml/2006/compatibility" xmlns:p14="http://schemas.microsoft.com/office/powerpoint/2010/main" xmlns:p15="http://schemas.microsoft.com/office/powerpoint/2012/main">
+  <p:cSld>
+    <p:spTree>
+      <p:nvGrpSpPr>
+        <p:cNvPr id="286" name="Shape 286"/>
+        <p:cNvGrpSpPr/>
+        <p:nvPr/>
+      </p:nvGrpSpPr>
+      <p:grpSpPr>
+        <a:xfrm>
+          <a:off x="0" y="0"/>
+          <a:ext cx="0" cy="0"/>
+          <a:chOff x="0" y="0"/>
+          <a:chExt cx="0" cy="0"/>
+        </a:xfrm>
+      </p:grpSpPr>
+      <p:sp>
+        <p:nvSpPr>
+          <p:cNvPr id="287" name="Google Shape;287;p42"/>
+          <p:cNvSpPr txBox="1"/>
+          <p:nvPr>
+            <p:ph type="title"/>
+          </p:nvPr>
+        </p:nvSpPr>
+        <p:spPr>
+          <a:xfrm>
+            <a:off x="79900" y="180800"/>
+            <a:ext cx="8803500" cy="572700"/>
+          </a:xfrm>
+          <a:prstGeom prst="rect">
+            <a:avLst/>
+          </a:prstGeom>
+        </p:spPr>
+        <p:txBody>
+          <a:bodyPr anchorCtr="0" anchor="t" bIns="91425" lIns="91425" spcFirstLastPara="1" rIns="91425" wrap="square" tIns="91425">
+            <a:noAutofit/>
+          </a:bodyPr>
+          <a:lstStyle/>
+          <a:p>
+            <a:pPr indent="0" lvl="0" marL="0" rtl="0" algn="l">
+              <a:lnSpc>
+                <a:spcPct val="115000"/>
+              </a:lnSpc>
+              <a:spcBef>
+                <a:spcPts val="0"/>
+              </a:spcBef>
+              <a:spcAft>
+                <a:spcPts val="1600"/>
+              </a:spcAft>
+              <a:buClr>
+                <a:schemeClr val="dk1"/>
+              </a:buClr>
+              <a:buSzPts val="1100"/>
+              <a:buFont typeface="Arial"/>
+              <a:buNone/>
+            </a:pPr>
+            <a:r>
+              <a:rPr b="1" lang="ru" sz="1600"/>
+              <a:t>Оптимизация модуля поиска ложно найденных ошибок на основе модели word2vec:</a:t>
+            </a:r>
+            <a:endParaRPr/>
+          </a:p>
+        </p:txBody>
+      </p:sp>
+      <p:sp>
+        <p:nvSpPr>
+          <p:cNvPr id="288" name="Google Shape;288;p42"/>
+          <p:cNvSpPr txBox="1"/>
+          <p:nvPr>
+            <p:ph idx="1" type="body"/>
+          </p:nvPr>
+        </p:nvSpPr>
+        <p:spPr>
+          <a:xfrm>
+            <a:off x="1120725" y="611925"/>
+            <a:ext cx="6012600" cy="393600"/>
+          </a:xfrm>
+          <a:prstGeom prst="rect">
+            <a:avLst/>
+          </a:prstGeom>
+        </p:spPr>
+        <p:txBody>
+          <a:bodyPr anchorCtr="0" anchor="t" bIns="91425" lIns="91425" spcFirstLastPara="1" rIns="91425" wrap="square" tIns="91425">
+            <a:noAutofit/>
+          </a:bodyPr>
+          <a:lstStyle/>
+          <a:p>
+            <a:pPr indent="0" lvl="0" marL="0" rtl="0" algn="ctr">
+              <a:spcBef>
+                <a:spcPts val="0"/>
+              </a:spcBef>
+              <a:spcAft>
+                <a:spcPts val="1600"/>
+              </a:spcAft>
+              <a:buNone/>
+            </a:pPr>
+            <a:r>
+              <a:rPr lang="ru" sz="1600" u="sng">
+                <a:solidFill>
+                  <a:schemeClr val="dk1"/>
+                </a:solidFill>
+              </a:rPr>
+              <a:t>Результаты эксперимента с числовыми порогами</a:t>
+            </a:r>
+            <a:endParaRPr sz="1600" u="sng">
+              <a:solidFill>
+                <a:schemeClr val="dk1"/>
+              </a:solidFill>
+            </a:endParaRPr>
+          </a:p>
+        </p:txBody>
+      </p:sp>
+      <p:sp>
+        <p:nvSpPr>
+          <p:cNvPr id="289" name="Google Shape;289;p42"/>
+          <p:cNvSpPr txBox="1"/>
+          <p:nvPr>
+            <p:ph idx="12" type="sldNum"/>
+          </p:nvPr>
+        </p:nvSpPr>
+        <p:spPr>
+          <a:xfrm>
+            <a:off x="8472458" y="4663217"/>
+            <a:ext cx="548700" cy="393600"/>
+          </a:xfrm>
+          <a:prstGeom prst="rect">
+            <a:avLst/>
+          </a:prstGeom>
+        </p:spPr>
+        <p:txBody>
+          <a:bodyPr anchorCtr="0" anchor="ctr" bIns="91425" lIns="91425" spcFirstLastPara="1" rIns="91425" wrap="square" tIns="91425">
+            <a:noAutofit/>
+          </a:bodyPr>
+          <a:lstStyle/>
+          <a:p>
+            <a:pPr indent="0" lvl="0" marL="0" rtl="0" algn="r">
+              <a:spcBef>
+                <a:spcPts val="0"/>
+              </a:spcBef>
+              <a:spcAft>
+                <a:spcPts val="0"/>
+              </a:spcAft>
+              <a:buNone/>
+            </a:pPr>
+            <a:fld id="{00000000-1234-1234-1234-123412341234}" type="slidenum">
+              <a:rPr lang="ru"/>
+              <a:t>‹#›</a:t>
+            </a:fld>
+            <a:endParaRPr/>
+          </a:p>
+        </p:txBody>
+      </p:sp>
+      <p:sp>
+        <p:nvSpPr>
+          <p:cNvPr id="290" name="Google Shape;290;p42"/>
+          <p:cNvSpPr/>
+          <p:nvPr/>
+        </p:nvSpPr>
+        <p:spPr>
+          <a:xfrm>
+            <a:off x="423475" y="1399700"/>
+            <a:ext cx="2930400" cy="980100"/>
+          </a:xfrm>
+          <a:prstGeom prst="foldedCorner">
+            <a:avLst>
+              <a:gd fmla="val 16667" name="adj"/>
+            </a:avLst>
+          </a:prstGeom>
+          <a:solidFill>
+            <a:srgbClr val="38761D"/>
+          </a:solidFill>
+          <a:ln cap="flat" cmpd="sng" w="9525">
+            <a:solidFill>
+              <a:schemeClr val="dk2"/>
+            </a:solidFill>
+            <a:prstDash val="solid"/>
+            <a:round/>
+            <a:headEnd len="sm" w="sm" type="none"/>
+            <a:tailEnd len="sm" w="sm" type="none"/>
+          </a:ln>
+        </p:spPr>
+        <p:txBody>
+          <a:bodyPr anchorCtr="0" anchor="ctr" bIns="91425" lIns="91425" spcFirstLastPara="1" rIns="91425" wrap="square" tIns="91425">
+            <a:noAutofit/>
+          </a:bodyPr>
+          <a:lstStyle/>
+          <a:p>
+            <a:pPr indent="0" lvl="0" marL="0" rtl="0" algn="l">
+              <a:spcBef>
+                <a:spcPts val="0"/>
+              </a:spcBef>
+              <a:spcAft>
+                <a:spcPts val="0"/>
+              </a:spcAft>
+              <a:buNone/>
+            </a:pPr>
+            <a:r>
+              <a:rPr b="1" lang="ru">
+                <a:solidFill>
+                  <a:srgbClr val="FFFFFF"/>
+                </a:solidFill>
+              </a:rPr>
+              <a:t>prob_threshold = 0.0008</a:t>
+            </a:r>
+            <a:endParaRPr b="1">
+              <a:solidFill>
+                <a:srgbClr val="FFFFFF"/>
+              </a:solidFill>
+            </a:endParaRPr>
+          </a:p>
+          <a:p>
+            <a:pPr indent="0" lvl="0" marL="0" rtl="0" algn="l">
+              <a:spcBef>
+                <a:spcPts val="0"/>
+              </a:spcBef>
+              <a:spcAft>
+                <a:spcPts val="0"/>
+              </a:spcAft>
+              <a:buNone/>
+            </a:pPr>
+            <a:r>
+              <a:t/>
+            </a:r>
+            <a:endParaRPr b="1">
+              <a:solidFill>
+                <a:srgbClr val="FFFFFF"/>
+              </a:solidFill>
+            </a:endParaRPr>
+          </a:p>
+          <a:p>
+            <a:pPr indent="0" lvl="0" marL="0" rtl="0" algn="l">
+              <a:spcBef>
+                <a:spcPts val="0"/>
+              </a:spcBef>
+              <a:spcAft>
+                <a:spcPts val="0"/>
+              </a:spcAft>
+              <a:buNone/>
+            </a:pPr>
+            <a:r>
+              <a:rPr b="1" lang="ru">
+                <a:solidFill>
+                  <a:srgbClr val="FFFFFF"/>
+                </a:solidFill>
+              </a:rPr>
+              <a:t>cos_similarity_threshold = 0.69</a:t>
+            </a:r>
+            <a:endParaRPr b="1">
+              <a:solidFill>
+                <a:srgbClr val="FFFFFF"/>
+              </a:solidFill>
+            </a:endParaRPr>
+          </a:p>
+        </p:txBody>
+      </p:sp>
+      <p:sp>
+        <p:nvSpPr>
+          <p:cNvPr id="291" name="Google Shape;291;p42"/>
+          <p:cNvSpPr txBox="1"/>
+          <p:nvPr/>
+        </p:nvSpPr>
+        <p:spPr>
+          <a:xfrm>
+            <a:off x="3598050" y="1147000"/>
+            <a:ext cx="5061000" cy="3840000"/>
+          </a:xfrm>
+          <a:prstGeom prst="rect">
+            <a:avLst/>
+          </a:prstGeom>
+          <a:noFill/>
+          <a:ln>
+            <a:noFill/>
+          </a:ln>
+        </p:spPr>
+        <p:txBody>
+          <a:bodyPr anchorCtr="0" anchor="t" bIns="91425" lIns="91425" spcFirstLastPara="1" rIns="91425" wrap="square" tIns="91425">
+            <a:noAutofit/>
+          </a:bodyPr>
+          <a:lstStyle/>
+          <a:p>
+            <a:pPr indent="0" lvl="0" marL="0" rtl="0" algn="l">
+              <a:lnSpc>
+                <a:spcPct val="115000"/>
+              </a:lnSpc>
+              <a:spcBef>
+                <a:spcPts val="0"/>
+              </a:spcBef>
+              <a:spcAft>
+                <a:spcPts val="0"/>
+              </a:spcAft>
+              <a:buNone/>
+            </a:pPr>
+            <a:r>
+              <a:rPr lang="ru" sz="900">
+                <a:solidFill>
+                  <a:schemeClr val="dk1"/>
+                </a:solidFill>
+              </a:rPr>
+              <a:t>жилбыл один </a:t>
+            </a:r>
+            <a:r>
+              <a:rPr b="1" lang="ru" sz="900" u="sng">
+                <a:solidFill>
+                  <a:srgbClr val="38761D"/>
+                </a:solidFill>
+              </a:rPr>
+              <a:t>дяденька</a:t>
+            </a:r>
+            <a:r>
+              <a:rPr lang="ru" sz="900">
+                <a:solidFill>
+                  <a:schemeClr val="dk1"/>
+                </a:solidFill>
+              </a:rPr>
+              <a:t> </a:t>
+            </a:r>
+            <a:r>
+              <a:rPr lang="ru" sz="900">
+                <a:solidFill>
+                  <a:schemeClr val="dk1"/>
+                </a:solidFill>
+                <a:highlight>
+                  <a:srgbClr val="FF0000"/>
+                </a:highlight>
+              </a:rPr>
+              <a:t>по</a:t>
+            </a:r>
+            <a:r>
+              <a:rPr lang="ru" sz="900">
+                <a:solidFill>
+                  <a:schemeClr val="dk1"/>
+                </a:solidFill>
+              </a:rPr>
+              <a:t> его жены скоро должно было случиться день рождения был случится </a:t>
+            </a:r>
+            <a:r>
+              <a:rPr lang="ru" sz="900">
+                <a:solidFill>
+                  <a:schemeClr val="dk1"/>
+                </a:solidFill>
+                <a:highlight>
+                  <a:srgbClr val="00FF00"/>
+                </a:highlight>
+              </a:rPr>
+              <a:t>плот</a:t>
+            </a:r>
+            <a:r>
+              <a:rPr lang="ru" sz="900">
+                <a:solidFill>
+                  <a:schemeClr val="dk1"/>
+                </a:solidFill>
+              </a:rPr>
+              <a:t> дяденька </a:t>
+            </a:r>
+            <a:r>
+              <a:rPr lang="ru" sz="900">
+                <a:solidFill>
+                  <a:schemeClr val="dk1"/>
+                </a:solidFill>
+                <a:highlight>
+                  <a:srgbClr val="00FF00"/>
+                </a:highlight>
+              </a:rPr>
+              <a:t>ночного</a:t>
+            </a:r>
+            <a:r>
+              <a:rPr lang="ru" sz="900">
+                <a:solidFill>
+                  <a:schemeClr val="dk1"/>
+                </a:solidFill>
+              </a:rPr>
+              <a:t> мучился не знал как обычно выбрать подарок какой получше он ходил по магазинам выбирал думал чтобы </a:t>
+            </a:r>
+            <a:r>
+              <a:rPr lang="ru" sz="900">
+                <a:solidFill>
+                  <a:schemeClr val="dk1"/>
+                </a:solidFill>
+                <a:highlight>
+                  <a:srgbClr val="FF0000"/>
+                </a:highlight>
+              </a:rPr>
+              <a:t>мог</a:t>
+            </a:r>
+            <a:r>
+              <a:rPr lang="ru" sz="900">
+                <a:solidFill>
+                  <a:schemeClr val="dk1"/>
+                </a:solidFill>
+              </a:rPr>
+              <a:t> купить то хотел купить сумку то он хотел купить часы то манекен но все не получалось выбрать чтонибудь стоящее </a:t>
+            </a:r>
+            <a:r>
+              <a:rPr lang="ru" sz="900">
+                <a:solidFill>
+                  <a:schemeClr val="dk1"/>
+                </a:solidFill>
+                <a:highlight>
+                  <a:srgbClr val="FF0000"/>
+                </a:highlight>
+              </a:rPr>
+              <a:t>ноги</a:t>
+            </a:r>
+            <a:r>
+              <a:rPr lang="ru" sz="900">
+                <a:solidFill>
+                  <a:schemeClr val="dk1"/>
+                </a:solidFill>
+              </a:rPr>
+              <a:t> он отчаялся пришёл спросить у своих детей может быть они дадут какоето дельный совет дети недолго думая сказали </a:t>
+            </a:r>
+            <a:r>
+              <a:rPr lang="ru" sz="900">
+                <a:solidFill>
+                  <a:schemeClr val="dk1"/>
+                </a:solidFill>
+                <a:highlight>
+                  <a:srgbClr val="FF0000"/>
+                </a:highlight>
+              </a:rPr>
+              <a:t>с</a:t>
+            </a:r>
+            <a:r>
+              <a:rPr lang="ru" sz="900">
+                <a:solidFill>
+                  <a:schemeClr val="dk1"/>
+                </a:solidFill>
+              </a:rPr>
+              <a:t> чего бы хотел их </a:t>
+            </a:r>
+            <a:r>
+              <a:rPr lang="ru" sz="900">
+                <a:solidFill>
+                  <a:schemeClr val="dk1"/>
+                </a:solidFill>
+                <a:highlight>
+                  <a:srgbClr val="FF0000"/>
+                </a:highlight>
+              </a:rPr>
+              <a:t>мало</a:t>
+            </a:r>
+            <a:r>
+              <a:rPr lang="ru" sz="900">
+                <a:solidFill>
+                  <a:schemeClr val="dk1"/>
+                </a:solidFill>
+              </a:rPr>
+              <a:t> так как дети </a:t>
+            </a:r>
+            <a:r>
+              <a:rPr lang="ru" sz="900">
+                <a:solidFill>
+                  <a:schemeClr val="dk1"/>
+                </a:solidFill>
+                <a:highlight>
+                  <a:srgbClr val="FF0000"/>
+                </a:highlight>
+              </a:rPr>
+              <a:t>сюда</a:t>
+            </a:r>
+            <a:r>
+              <a:rPr lang="ru" sz="900">
+                <a:solidFill>
+                  <a:schemeClr val="dk1"/>
+                </a:solidFill>
+              </a:rPr>
+              <a:t> больше знают сказали купить ей машину по глупости </a:t>
+            </a:r>
+            <a:r>
+              <a:rPr lang="ru" sz="900">
+                <a:solidFill>
+                  <a:schemeClr val="dk1"/>
+                </a:solidFill>
+                <a:highlight>
+                  <a:srgbClr val="00FF00"/>
+                </a:highlight>
+              </a:rPr>
+              <a:t>посол</a:t>
+            </a:r>
+            <a:r>
+              <a:rPr lang="ru" sz="900">
+                <a:solidFill>
+                  <a:schemeClr val="dk1"/>
+                </a:solidFill>
+              </a:rPr>
+              <a:t> </a:t>
+            </a:r>
+            <a:r>
+              <a:rPr lang="ru" sz="900">
+                <a:solidFill>
+                  <a:schemeClr val="dk1"/>
+                </a:solidFill>
+                <a:highlight>
+                  <a:srgbClr val="D9D9D9"/>
+                </a:highlight>
+              </a:rPr>
+              <a:t>варт</a:t>
+            </a:r>
+            <a:r>
+              <a:rPr lang="ru" sz="900">
+                <a:solidFill>
+                  <a:schemeClr val="dk1"/>
+                </a:solidFill>
+              </a:rPr>
+              <a:t> </a:t>
+            </a:r>
+            <a:r>
+              <a:rPr b="1" lang="ru" sz="900" u="sng">
+                <a:solidFill>
+                  <a:srgbClr val="38761D"/>
+                </a:solidFill>
+              </a:rPr>
+              <a:t>салон</a:t>
+            </a:r>
+            <a:r>
+              <a:rPr lang="ru" sz="900">
+                <a:solidFill>
+                  <a:schemeClr val="dk1"/>
+                </a:solidFill>
+              </a:rPr>
+              <a:t> посмотрел машины в итоге понял что всетаки наверно дорог один дядька заявил что это </a:t>
+            </a:r>
+            <a:r>
+              <a:rPr b="1" lang="ru" sz="900" u="sng">
+                <a:solidFill>
+                  <a:srgbClr val="38761D"/>
+                </a:solidFill>
+              </a:rPr>
+              <a:t>наставь</a:t>
+            </a:r>
+            <a:r>
+              <a:rPr lang="ru" sz="900">
+                <a:solidFill>
+                  <a:schemeClr val="dk1"/>
+                </a:solidFill>
+              </a:rPr>
+              <a:t> (--&gt; настаивать) приличную сумму стоит денег </a:t>
+            </a:r>
+            <a:r>
+              <a:rPr lang="ru" sz="900" u="sng">
+                <a:solidFill>
+                  <a:schemeClr val="dk1"/>
+                </a:solidFill>
+                <a:highlight>
+                  <a:srgbClr val="FF0000"/>
+                </a:highlight>
+              </a:rPr>
+              <a:t>дядечка</a:t>
+            </a:r>
+            <a:r>
+              <a:rPr lang="ru" sz="900">
+                <a:solidFill>
+                  <a:schemeClr val="dk1"/>
+                </a:solidFill>
+              </a:rPr>
+              <a:t> </a:t>
+            </a:r>
+            <a:r>
+              <a:rPr lang="ru" sz="900">
+                <a:solidFill>
+                  <a:schemeClr val="dk1"/>
+                </a:solidFill>
+                <a:highlight>
+                  <a:srgbClr val="00FF00"/>
+                </a:highlight>
+              </a:rPr>
+              <a:t>носок</a:t>
+            </a:r>
+            <a:r>
+              <a:rPr lang="ru" sz="900">
+                <a:solidFill>
+                  <a:schemeClr val="dk1"/>
+                </a:solidFill>
+              </a:rPr>
+              <a:t> компромисс он купил </a:t>
+            </a:r>
+            <a:r>
+              <a:rPr lang="ru" sz="900">
+                <a:solidFill>
+                  <a:schemeClr val="dk1"/>
+                </a:solidFill>
+                <a:highlight>
+                  <a:srgbClr val="00FF00"/>
+                </a:highlight>
+              </a:rPr>
+              <a:t>маменьку</a:t>
+            </a:r>
+            <a:r>
+              <a:rPr lang="ru" sz="900">
+                <a:solidFill>
+                  <a:schemeClr val="dk1"/>
+                </a:solidFill>
+              </a:rPr>
+              <a:t> </a:t>
+            </a:r>
+            <a:r>
+              <a:rPr lang="ru" sz="900" u="sng">
+                <a:solidFill>
+                  <a:schemeClr val="dk1"/>
+                </a:solidFill>
+                <a:highlight>
+                  <a:srgbClr val="FF0000"/>
+                </a:highlight>
+              </a:rPr>
+              <a:t>машинку</a:t>
+            </a:r>
+            <a:r>
+              <a:rPr lang="ru" sz="900">
+                <a:solidFill>
+                  <a:schemeClr val="dk1"/>
+                </a:solidFill>
+              </a:rPr>
+              <a:t> подарил её собственно говоря своей жене в общемто не уверен что она была счастлива дети тоже както были смущены один дети осталась на </a:t>
+            </a:r>
+            <a:r>
+              <a:rPr lang="ru" sz="900">
+                <a:solidFill>
+                  <a:schemeClr val="dk1"/>
+                </a:solidFill>
+                <a:highlight>
+                  <a:srgbClr val="FF0000"/>
+                </a:highlight>
+              </a:rPr>
+              <a:t>воле</a:t>
+            </a:r>
+            <a:endParaRPr sz="400">
+              <a:solidFill>
+                <a:schemeClr val="dk1"/>
+              </a:solidFill>
+              <a:highlight>
+                <a:srgbClr val="FF0000"/>
+              </a:highlight>
+            </a:endParaRPr>
+          </a:p>
+          <a:p>
+            <a:pPr indent="0" lvl="0" marL="0" rtl="0" algn="l">
+              <a:lnSpc>
+                <a:spcPct val="115000"/>
+              </a:lnSpc>
+              <a:spcBef>
+                <a:spcPts val="0"/>
+              </a:spcBef>
+              <a:spcAft>
+                <a:spcPts val="0"/>
+              </a:spcAft>
+              <a:buNone/>
+            </a:pPr>
+            <a:r>
+              <a:t/>
+            </a:r>
+            <a:endParaRPr sz="700">
+              <a:solidFill>
+                <a:schemeClr val="dk1"/>
+              </a:solidFill>
+            </a:endParaRPr>
+          </a:p>
+          <a:p>
+            <a:pPr indent="0" lvl="0" marL="0" rtl="0" algn="l">
+              <a:lnSpc>
+                <a:spcPct val="115000"/>
+              </a:lnSpc>
+              <a:spcBef>
+                <a:spcPts val="0"/>
+              </a:spcBef>
+              <a:spcAft>
+                <a:spcPts val="0"/>
+              </a:spcAft>
+              <a:buNone/>
+            </a:pPr>
+            <a:r>
+              <a:rPr b="1" lang="ru" sz="1000" u="sng">
+                <a:solidFill>
+                  <a:srgbClr val="38761D"/>
+                </a:solidFill>
+              </a:rPr>
+              <a:t>верно исключено из ошибок: 2</a:t>
+            </a:r>
+            <a:endParaRPr b="1" sz="1000" u="sng">
+              <a:solidFill>
+                <a:srgbClr val="38761D"/>
+              </a:solidFill>
+            </a:endParaRPr>
+          </a:p>
+          <a:p>
+            <a:pPr indent="0" lvl="0" marL="0" rtl="0" algn="l">
+              <a:lnSpc>
+                <a:spcPct val="115000"/>
+              </a:lnSpc>
+              <a:spcBef>
+                <a:spcPts val="0"/>
+              </a:spcBef>
+              <a:spcAft>
+                <a:spcPts val="0"/>
+              </a:spcAft>
+              <a:buNone/>
+            </a:pPr>
+            <a:r>
+              <a:t/>
+            </a:r>
+            <a:endParaRPr b="1" sz="1000" u="sng">
+              <a:solidFill>
+                <a:srgbClr val="38761D"/>
+              </a:solidFill>
+            </a:endParaRPr>
+          </a:p>
+          <a:p>
+            <a:pPr indent="0" lvl="0" marL="0" rtl="0" algn="l">
+              <a:lnSpc>
+                <a:spcPct val="115000"/>
+              </a:lnSpc>
+              <a:spcBef>
+                <a:spcPts val="0"/>
+              </a:spcBef>
+              <a:spcAft>
+                <a:spcPts val="0"/>
+              </a:spcAft>
+              <a:buNone/>
+            </a:pPr>
+            <a:r>
+              <a:rPr b="1" lang="ru" sz="1000" u="sng">
+                <a:solidFill>
+                  <a:srgbClr val="CC0000"/>
+                </a:solidFill>
+              </a:rPr>
+              <a:t>не должно было исключаться из ошибок: 0</a:t>
+            </a:r>
+            <a:endParaRPr b="1" sz="1000" u="sng">
+              <a:solidFill>
+                <a:srgbClr val="CC0000"/>
+              </a:solidFill>
+            </a:endParaRPr>
+          </a:p>
+          <a:p>
+            <a:pPr indent="0" lvl="0" marL="0" rtl="0" algn="l">
+              <a:lnSpc>
+                <a:spcPct val="115000"/>
+              </a:lnSpc>
+              <a:spcBef>
+                <a:spcPts val="0"/>
+              </a:spcBef>
+              <a:spcAft>
+                <a:spcPts val="0"/>
+              </a:spcAft>
+              <a:buNone/>
+            </a:pPr>
+            <a:r>
+              <a:t/>
+            </a:r>
+            <a:endParaRPr b="1" sz="1000" u="sng">
+              <a:solidFill>
+                <a:srgbClr val="CC0000"/>
+              </a:solidFill>
+            </a:endParaRPr>
+          </a:p>
+          <a:p>
+            <a:pPr indent="0" lvl="0" marL="0" rtl="0" algn="l">
+              <a:lnSpc>
+                <a:spcPct val="115000"/>
+              </a:lnSpc>
+              <a:spcBef>
+                <a:spcPts val="0"/>
+              </a:spcBef>
+              <a:spcAft>
+                <a:spcPts val="0"/>
+              </a:spcAft>
+              <a:buNone/>
+            </a:pPr>
+            <a:r>
+              <a:rPr b="1" lang="ru" sz="1000" u="sng">
+                <a:solidFill>
+                  <a:schemeClr val="dk1"/>
+                </a:solidFill>
+                <a:highlight>
+                  <a:srgbClr val="FF0000"/>
+                </a:highlight>
+              </a:rPr>
+              <a:t>должно быть исключено из ошибок, но не исключено:</a:t>
+            </a:r>
+            <a:r>
+              <a:rPr b="1" lang="ru" sz="1000" u="sng">
+                <a:solidFill>
+                  <a:schemeClr val="dk1"/>
+                </a:solidFill>
+              </a:rPr>
+              <a:t> 2</a:t>
+            </a:r>
+            <a:endParaRPr b="1" sz="1000" u="sng">
+              <a:solidFill>
+                <a:schemeClr val="dk1"/>
+              </a:solidFill>
+            </a:endParaRPr>
+          </a:p>
+          <a:p>
+            <a:pPr indent="0" lvl="0" marL="0" rtl="0" algn="l">
+              <a:spcBef>
+                <a:spcPts val="0"/>
+              </a:spcBef>
+              <a:spcAft>
+                <a:spcPts val="0"/>
+              </a:spcAft>
+              <a:buNone/>
+            </a:pPr>
+            <a:r>
+              <a:t/>
+            </a:r>
+            <a:endParaRPr b="1" sz="1300">
+              <a:solidFill>
+                <a:schemeClr val="dk1"/>
+              </a:solidFill>
+            </a:endParaRPr>
+          </a:p>
+          <a:p>
+            <a:pPr indent="0" lvl="0" marL="0" rtl="0" algn="l">
+              <a:spcBef>
+                <a:spcPts val="0"/>
+              </a:spcBef>
+              <a:spcAft>
+                <a:spcPts val="0"/>
+              </a:spcAft>
+              <a:buNone/>
+            </a:pPr>
+            <a:r>
+              <a:rPr lang="ru" sz="1200">
+                <a:solidFill>
+                  <a:schemeClr val="dk1"/>
+                </a:solidFill>
+              </a:rPr>
+              <a:t>Правильно найдено </a:t>
+            </a:r>
+            <a:r>
+              <a:rPr b="1" lang="ru" sz="1200">
+                <a:solidFill>
+                  <a:srgbClr val="38761D"/>
+                </a:solidFill>
+              </a:rPr>
+              <a:t>6</a:t>
+            </a:r>
+            <a:r>
+              <a:rPr lang="ru" sz="1200">
+                <a:solidFill>
+                  <a:schemeClr val="dk1"/>
+                </a:solidFill>
+              </a:rPr>
+              <a:t> из </a:t>
+            </a:r>
+            <a:r>
+              <a:rPr b="1" lang="ru" sz="1200">
+                <a:solidFill>
+                  <a:srgbClr val="FF0000"/>
+                </a:solidFill>
+              </a:rPr>
+              <a:t>15</a:t>
+            </a:r>
+            <a:r>
+              <a:rPr lang="ru" sz="1200">
+                <a:solidFill>
+                  <a:schemeClr val="dk1"/>
+                </a:solidFill>
+              </a:rPr>
+              <a:t> ошибок</a:t>
+            </a:r>
+            <a:endParaRPr sz="1200">
+              <a:solidFill>
+                <a:schemeClr val="dk1"/>
+              </a:solidFill>
+            </a:endParaRPr>
+          </a:p>
+          <a:p>
+            <a:pPr indent="0" lvl="0" marL="0" rtl="0" algn="l">
+              <a:spcBef>
+                <a:spcPts val="1600"/>
+              </a:spcBef>
+              <a:spcAft>
+                <a:spcPts val="0"/>
+              </a:spcAft>
+              <a:buNone/>
+            </a:pPr>
+            <a:r>
+              <a:rPr b="1" lang="ru" sz="1200">
+                <a:solidFill>
+                  <a:srgbClr val="FF0000"/>
+                </a:solidFill>
+              </a:rPr>
+              <a:t>2 </a:t>
+            </a:r>
+            <a:r>
+              <a:rPr b="1" lang="ru" sz="1200">
+                <a:solidFill>
+                  <a:schemeClr val="dk1"/>
+                </a:solidFill>
+              </a:rPr>
+              <a:t>ложно опознанные ошибки </a:t>
+            </a:r>
+            <a:endParaRPr b="1" sz="500" u="sng">
+              <a:solidFill>
+                <a:srgbClr val="38761D"/>
+              </a:solidFill>
+            </a:endParaRPr>
+          </a:p>
+        </p:txBody>
+      </p:sp>
+      <p:sp>
+        <p:nvSpPr>
+          <p:cNvPr id="292" name="Google Shape;292;p42"/>
+          <p:cNvSpPr/>
+          <p:nvPr/>
+        </p:nvSpPr>
+        <p:spPr>
+          <a:xfrm>
+            <a:off x="362825" y="2571750"/>
+            <a:ext cx="2991000" cy="2354700"/>
+          </a:xfrm>
+          <a:prstGeom prst="roundRect">
+            <a:avLst>
+              <a:gd fmla="val 16667" name="adj"/>
+            </a:avLst>
+          </a:prstGeom>
+          <a:solidFill>
+            <a:srgbClr val="6AA84F"/>
+          </a:solidFill>
+          <a:ln cap="flat" cmpd="sng" w="9525">
+            <a:solidFill>
+              <a:schemeClr val="dk2"/>
+            </a:solidFill>
+            <a:prstDash val="solid"/>
+            <a:round/>
+            <a:headEnd len="sm" w="sm" type="none"/>
+            <a:tailEnd len="sm" w="sm" type="none"/>
+          </a:ln>
+        </p:spPr>
+        <p:txBody>
+          <a:bodyPr anchorCtr="0" anchor="ctr" bIns="91425" lIns="91425" spcFirstLastPara="1" rIns="91425" wrap="square" tIns="91425">
+            <a:noAutofit/>
+          </a:bodyPr>
+          <a:lstStyle/>
+          <a:p>
+            <a:pPr indent="0" lvl="0" marL="0" rtl="0" algn="l">
+              <a:spcBef>
+                <a:spcPts val="0"/>
+              </a:spcBef>
+              <a:spcAft>
+                <a:spcPts val="0"/>
+              </a:spcAft>
+              <a:buClr>
+                <a:schemeClr val="dk1"/>
+              </a:buClr>
+              <a:buSzPts val="1100"/>
+              <a:buFont typeface="Arial"/>
+              <a:buNone/>
+            </a:pPr>
+            <a:r>
+              <a:rPr b="1" lang="ru" sz="1050" u="sng">
+                <a:solidFill>
+                  <a:srgbClr val="FFFFFF"/>
+                </a:solidFill>
+              </a:rPr>
+              <a:t>До оптимизации: </a:t>
+            </a:r>
+            <a:endParaRPr b="1" sz="1050" u="sng">
+              <a:solidFill>
+                <a:srgbClr val="FFFFFF"/>
+              </a:solidFill>
+            </a:endParaRPr>
+          </a:p>
+          <a:p>
+            <a:pPr indent="0" lvl="0" marL="0" rtl="0" algn="l">
+              <a:spcBef>
+                <a:spcPts val="0"/>
+              </a:spcBef>
+              <a:spcAft>
+                <a:spcPts val="0"/>
+              </a:spcAft>
+              <a:buClr>
+                <a:schemeClr val="dk1"/>
+              </a:buClr>
+              <a:buSzPts val="1100"/>
+              <a:buFont typeface="Arial"/>
+              <a:buNone/>
+            </a:pPr>
+            <a:r>
+              <a:rPr lang="ru" sz="1050">
+                <a:solidFill>
+                  <a:srgbClr val="FFFFFF"/>
+                </a:solidFill>
+              </a:rPr>
+              <a:t>Precision: 0.7500</a:t>
+            </a:r>
+            <a:endParaRPr sz="1050">
+              <a:solidFill>
+                <a:srgbClr val="FFFFFF"/>
+              </a:solidFill>
+            </a:endParaRPr>
+          </a:p>
+          <a:p>
+            <a:pPr indent="0" lvl="0" marL="0" rtl="0" algn="l">
+              <a:spcBef>
+                <a:spcPts val="0"/>
+              </a:spcBef>
+              <a:spcAft>
+                <a:spcPts val="0"/>
+              </a:spcAft>
+              <a:buClr>
+                <a:schemeClr val="dk1"/>
+              </a:buClr>
+              <a:buSzPts val="1100"/>
+              <a:buFont typeface="Arial"/>
+              <a:buNone/>
+            </a:pPr>
+            <a:r>
+              <a:rPr lang="ru" sz="1050">
+                <a:solidFill>
+                  <a:srgbClr val="FFFFFF"/>
+                </a:solidFill>
+              </a:rPr>
+              <a:t>Recall: 0.3750</a:t>
+            </a:r>
+            <a:endParaRPr sz="1050">
+              <a:solidFill>
+                <a:srgbClr val="FFFFFF"/>
+              </a:solidFill>
+            </a:endParaRPr>
+          </a:p>
+          <a:p>
+            <a:pPr indent="0" lvl="0" marL="0" rtl="0" algn="l">
+              <a:spcBef>
+                <a:spcPts val="0"/>
+              </a:spcBef>
+              <a:spcAft>
+                <a:spcPts val="0"/>
+              </a:spcAft>
+              <a:buClr>
+                <a:schemeClr val="dk1"/>
+              </a:buClr>
+              <a:buSzPts val="1100"/>
+              <a:buFont typeface="Arial"/>
+              <a:buNone/>
+            </a:pPr>
+            <a:r>
+              <a:rPr lang="ru" sz="1050">
+                <a:solidFill>
+                  <a:srgbClr val="FFFFFF"/>
+                </a:solidFill>
+              </a:rPr>
+              <a:t>F1: 0.5000</a:t>
+            </a:r>
+            <a:endParaRPr sz="1050">
+              <a:solidFill>
+                <a:srgbClr val="FFFFFF"/>
+              </a:solidFill>
+            </a:endParaRPr>
+          </a:p>
+          <a:p>
+            <a:pPr indent="0" lvl="0" marL="0" rtl="0" algn="l">
+              <a:lnSpc>
+                <a:spcPct val="115000"/>
+              </a:lnSpc>
+              <a:spcBef>
+                <a:spcPts val="0"/>
+              </a:spcBef>
+              <a:spcAft>
+                <a:spcPts val="0"/>
+              </a:spcAft>
+              <a:buClr>
+                <a:schemeClr val="dk1"/>
+              </a:buClr>
+              <a:buSzPts val="1100"/>
+              <a:buFont typeface="Arial"/>
+              <a:buNone/>
+            </a:pPr>
+            <a:r>
+              <a:rPr lang="ru" sz="1050">
+                <a:solidFill>
+                  <a:srgbClr val="FFFFFF"/>
+                </a:solidFill>
+              </a:rPr>
+              <a:t>Accuracy: 0.9161</a:t>
+            </a:r>
+            <a:endParaRPr sz="1050">
+              <a:solidFill>
+                <a:srgbClr val="FFFFFF"/>
+              </a:solidFill>
+            </a:endParaRPr>
+          </a:p>
+          <a:p>
+            <a:pPr indent="0" lvl="0" marL="0" rtl="0" algn="l">
+              <a:lnSpc>
+                <a:spcPct val="115000"/>
+              </a:lnSpc>
+              <a:spcBef>
+                <a:spcPts val="0"/>
+              </a:spcBef>
+              <a:spcAft>
+                <a:spcPts val="0"/>
+              </a:spcAft>
+              <a:buClr>
+                <a:schemeClr val="dk1"/>
+              </a:buClr>
+              <a:buSzPts val="1100"/>
+              <a:buFont typeface="Arial"/>
+              <a:buNone/>
+            </a:pPr>
+            <a:r>
+              <a:t/>
+            </a:r>
+            <a:endParaRPr sz="1050">
+              <a:solidFill>
+                <a:srgbClr val="FFFFFF"/>
+              </a:solidFill>
+            </a:endParaRPr>
+          </a:p>
+          <a:p>
+            <a:pPr indent="0" lvl="0" marL="0" rtl="0" algn="l">
+              <a:lnSpc>
+                <a:spcPct val="115000"/>
+              </a:lnSpc>
+              <a:spcBef>
+                <a:spcPts val="0"/>
+              </a:spcBef>
+              <a:spcAft>
+                <a:spcPts val="0"/>
+              </a:spcAft>
+              <a:buClr>
+                <a:schemeClr val="dk1"/>
+              </a:buClr>
+              <a:buSzPts val="1100"/>
+              <a:buFont typeface="Arial"/>
+              <a:buNone/>
+            </a:pPr>
+            <a:r>
+              <a:rPr b="1" lang="ru" sz="1050" u="sng">
+                <a:solidFill>
+                  <a:srgbClr val="FFFFFF"/>
+                </a:solidFill>
+              </a:rPr>
+              <a:t>После оптимизации:</a:t>
+            </a:r>
+            <a:endParaRPr b="1" sz="1050" u="sng">
+              <a:solidFill>
+                <a:srgbClr val="FFFFFF"/>
+              </a:solidFill>
+            </a:endParaRPr>
+          </a:p>
+          <a:p>
+            <a:pPr indent="0" lvl="0" marL="0" rtl="0" algn="l">
+              <a:lnSpc>
+                <a:spcPct val="115000"/>
+              </a:lnSpc>
+              <a:spcBef>
+                <a:spcPts val="0"/>
+              </a:spcBef>
+              <a:spcAft>
+                <a:spcPts val="0"/>
+              </a:spcAft>
+              <a:buClr>
+                <a:schemeClr val="dk1"/>
+              </a:buClr>
+              <a:buSzPts val="1100"/>
+              <a:buFont typeface="Arial"/>
+              <a:buNone/>
+            </a:pPr>
+            <a:r>
+              <a:rPr lang="ru" sz="1000">
+                <a:solidFill>
+                  <a:srgbClr val="FFFFFF"/>
+                </a:solidFill>
+              </a:rPr>
+              <a:t>Precision: 0.7778</a:t>
+            </a:r>
+            <a:endParaRPr sz="1000">
+              <a:solidFill>
+                <a:srgbClr val="FFFFFF"/>
+              </a:solidFill>
+            </a:endParaRPr>
+          </a:p>
+          <a:p>
+            <a:pPr indent="0" lvl="0" marL="0" rtl="0" algn="l">
+              <a:lnSpc>
+                <a:spcPct val="115000"/>
+              </a:lnSpc>
+              <a:spcBef>
+                <a:spcPts val="0"/>
+              </a:spcBef>
+              <a:spcAft>
+                <a:spcPts val="0"/>
+              </a:spcAft>
+              <a:buClr>
+                <a:schemeClr val="dk1"/>
+              </a:buClr>
+              <a:buSzPts val="1100"/>
+              <a:buFont typeface="Arial"/>
+              <a:buNone/>
+            </a:pPr>
+            <a:r>
+              <a:rPr lang="ru" sz="1000">
+                <a:solidFill>
+                  <a:srgbClr val="FFFFFF"/>
+                </a:solidFill>
+              </a:rPr>
+              <a:t>Recall: 0.4375</a:t>
+            </a:r>
+            <a:endParaRPr sz="1000">
+              <a:solidFill>
+                <a:srgbClr val="FFFFFF"/>
+              </a:solidFill>
+            </a:endParaRPr>
+          </a:p>
+          <a:p>
+            <a:pPr indent="0" lvl="0" marL="0" rtl="0" algn="l">
+              <a:lnSpc>
+                <a:spcPct val="115000"/>
+              </a:lnSpc>
+              <a:spcBef>
+                <a:spcPts val="0"/>
+              </a:spcBef>
+              <a:spcAft>
+                <a:spcPts val="0"/>
+              </a:spcAft>
+              <a:buClr>
+                <a:schemeClr val="dk1"/>
+              </a:buClr>
+              <a:buSzPts val="1100"/>
+              <a:buFont typeface="Arial"/>
+              <a:buNone/>
+            </a:pPr>
+            <a:r>
+              <a:rPr lang="ru" sz="1000">
+                <a:solidFill>
+                  <a:srgbClr val="FFFFFF"/>
+                </a:solidFill>
+              </a:rPr>
+              <a:t>F1: 0.5600</a:t>
+            </a:r>
+            <a:endParaRPr sz="1000">
+              <a:solidFill>
+                <a:srgbClr val="FFFFFF"/>
+              </a:solidFill>
+            </a:endParaRPr>
+          </a:p>
+          <a:p>
+            <a:pPr indent="0" lvl="0" marL="0" rtl="0" algn="l">
+              <a:lnSpc>
+                <a:spcPct val="115000"/>
+              </a:lnSpc>
+              <a:spcBef>
+                <a:spcPts val="0"/>
+              </a:spcBef>
+              <a:spcAft>
+                <a:spcPts val="0"/>
+              </a:spcAft>
+              <a:buClr>
+                <a:schemeClr val="dk1"/>
+              </a:buClr>
+              <a:buSzPts val="1100"/>
+              <a:buFont typeface="Arial"/>
+              <a:buNone/>
+            </a:pPr>
+            <a:r>
+              <a:rPr lang="ru" sz="1000">
+                <a:solidFill>
+                  <a:srgbClr val="FFFFFF"/>
+                </a:solidFill>
+              </a:rPr>
+              <a:t>Accuracy: 0.9231</a:t>
+            </a:r>
+            <a:endParaRPr sz="1000">
+              <a:solidFill>
+                <a:srgbClr val="FFFFFF"/>
+              </a:solidFill>
+            </a:endParaRPr>
+          </a:p>
+        </p:txBody>
+      </p:sp>
+    </p:spTree>
+  </p:cSld>
+  <p:clrMapOvr>
+    <a:masterClrMapping/>
+  </p:clrMapOvr>
+</p:sld>
+</file>
+
+<file path=ppt/slides/slide31.xml><?xml version="1.0" encoding="utf-8"?>
+<p:sld xmlns:a="http://schemas.openxmlformats.org/drawingml/2006/main" xmlns:r="http://schemas.openxmlformats.org/officeDocument/2006/relationships" xmlns:mc="http://schemas.openxmlformats.org/markup-compatibility/2006" xmlns:mv="urn:schemas-microsoft-com:mac:vml" xmlns:p="http://schemas.openxmlformats.org/presentationml/2006/main" xmlns:c="http://schemas.openxmlformats.org/drawingml/2006/chart" xmlns:dgm="http://schemas.openxmlformats.org/drawingml/2006/diagram" xmlns:o="urn:schemas-microsoft-com:office:office" xmlns:v="urn:schemas-microsoft-com:vml" xmlns:pvml="urn:schemas-microsoft-com:office:powerpoint" xmlns:com="http://schemas.openxmlformats.org/drawingml/2006/compatibility" xmlns:p14="http://schemas.microsoft.com/office/powerpoint/2010/main" xmlns:p15="http://schemas.microsoft.com/office/powerpoint/2012/main">
+  <p:cSld>
+    <p:bg>
+      <p:bgPr>
+        <a:solidFill>
+          <a:srgbClr val="B6D7A8"/>
+        </a:solidFill>
+      </p:bgPr>
+    </p:bg>
+    <p:spTree>
+      <p:nvGrpSpPr>
+        <p:cNvPr id="296" name="Shape 296"/>
+        <p:cNvGrpSpPr/>
+        <p:nvPr/>
+      </p:nvGrpSpPr>
+      <p:grpSpPr>
+        <a:xfrm>
+          <a:off x="0" y="0"/>
+          <a:ext cx="0" cy="0"/>
+          <a:chOff x="0" y="0"/>
+          <a:chExt cx="0" cy="0"/>
+        </a:xfrm>
+      </p:grpSpPr>
+      <p:sp>
+        <p:nvSpPr>
+          <p:cNvPr id="297" name="Google Shape;297;p43"/>
+          <p:cNvSpPr txBox="1"/>
+          <p:nvPr>
+            <p:ph idx="1" type="body"/>
+          </p:nvPr>
+        </p:nvSpPr>
+        <p:spPr>
+          <a:xfrm>
+            <a:off x="311700" y="1152475"/>
+            <a:ext cx="8520600" cy="1126500"/>
+          </a:xfrm>
+          <a:prstGeom prst="rect">
+            <a:avLst/>
+          </a:prstGeom>
+        </p:spPr>
+        <p:txBody>
+          <a:bodyPr anchorCtr="0" anchor="t" bIns="91425" lIns="91425" spcFirstLastPara="1" rIns="91425" wrap="square" tIns="91425">
+            <a:noAutofit/>
+          </a:bodyPr>
+          <a:lstStyle/>
+          <a:p>
+            <a:pPr indent="0" lvl="0" marL="0" rtl="0" algn="l">
+              <a:spcBef>
+                <a:spcPts val="0"/>
+              </a:spcBef>
+              <a:spcAft>
+                <a:spcPts val="1600"/>
+              </a:spcAft>
+              <a:buNone/>
+            </a:pPr>
+            <a:r>
+              <a:rPr b="1" lang="ru" sz="2000">
+                <a:solidFill>
+                  <a:srgbClr val="000000"/>
+                </a:solidFill>
+              </a:rPr>
+              <a:t>Алгоритм будет оптимизироваться...</a:t>
+            </a:r>
+            <a:endParaRPr b="1" sz="2000">
+              <a:solidFill>
+                <a:srgbClr val="000000"/>
+              </a:solidFill>
+            </a:endParaRPr>
+          </a:p>
+        </p:txBody>
+      </p:sp>
+      <p:sp>
+        <p:nvSpPr>
+          <p:cNvPr id="298" name="Google Shape;298;p43"/>
+          <p:cNvSpPr txBox="1"/>
+          <p:nvPr>
+            <p:ph idx="12" type="sldNum"/>
+          </p:nvPr>
+        </p:nvSpPr>
+        <p:spPr>
+          <a:xfrm>
+            <a:off x="8472458" y="4663217"/>
+            <a:ext cx="548700" cy="393600"/>
+          </a:xfrm>
+          <a:prstGeom prst="rect">
+            <a:avLst/>
+          </a:prstGeom>
+        </p:spPr>
+        <p:txBody>
+          <a:bodyPr anchorCtr="0" anchor="ctr" bIns="91425" lIns="91425" spcFirstLastPara="1" rIns="91425" wrap="square" tIns="91425">
+            <a:noAutofit/>
+          </a:bodyPr>
+          <a:lstStyle/>
+          <a:p>
+            <a:pPr indent="0" lvl="0" marL="0" rtl="0" algn="r">
+              <a:spcBef>
+                <a:spcPts val="0"/>
+              </a:spcBef>
+              <a:spcAft>
+                <a:spcPts val="0"/>
+              </a:spcAft>
+              <a:buNone/>
+            </a:pPr>
+            <a:fld id="{00000000-1234-1234-1234-123412341234}" type="slidenum">
+              <a:rPr lang="ru"/>
+              <a:t>‹#›</a:t>
+            </a:fld>
+            <a:endParaRPr/>
+          </a:p>
+        </p:txBody>
+      </p:sp>
+    </p:spTree>
+  </p:cSld>
+  <p:clrMapOvr>
+    <a:masterClrMapping/>
+  </p:clrMapOvr>
+  <p:timing>
+    <p:tnLst>
+      <p:par>
+        <p:cTn dur="indefinite" nodeType="tmRoot" restart="never">
+          <p:childTnLst>
+            <p:seq concurrent="1" nextAc="seek">
+              <p:cTn dur="indefinite" id="2" nodeType="mainSeq">
+                <p:childTnLst>
+                  <p:par>
+                    <p:cTn fill="hold">
+                      <p:stCondLst>
+                        <p:cond delay="indefinite"/>
+                      </p:stCondLst>
+                      <p:childTnLst>
+                        <p:par>
+                          <p:cTn fill="hold">
+                            <p:stCondLst>
+                              <p:cond delay="0"/>
+                            </p:stCondLst>
+                            <p:childTnLst>
+                              <p:par>
+                                <p:cTn fill="hold" nodeType="clickEffect" presetClass="entr" presetID="10" presetSubtype="0">
+                                  <p:stCondLst>
+                                    <p:cond delay="0"/>
+                                  </p:stCondLst>
+                                  <p:childTnLst>
+                                    <p:set>
+                                      <p:cBhvr>
+                                        <p:cTn dur="1" fill="hold">
+                                          <p:stCondLst>
+                                            <p:cond delay="0"/>
+                                          </p:stCondLst>
+                                        </p:cTn>
+                                        <p:tgtEl>
+                                          <p:spTgt spid="297"/>
+                                        </p:tgtEl>
+                                        <p:attrNameLst>
+                                          <p:attrName>style.visibility</p:attrName>
+                                        </p:attrNameLst>
+                                      </p:cBhvr>
+                                      <p:to>
+                                        <p:strVal val="visible"/>
+                                      </p:to>
+                                    </p:set>
+                                    <p:animEffect filter="fade" transition="in">
+                                      <p:cBhvr>
+                                        <p:cTn dur="1000"/>
+                                        <p:tgtEl>
+                                          <p:spTgt spid="297"/>
+                                        </p:tgtEl>
+                                      </p:cBhvr>
+                                    </p:animEffect>
+                                  </p:childTnLst>
+                                </p:cTn>
+                              </p:par>
+                            </p:childTnLst>
+                          </p:cTn>
+                        </p:par>
+                      </p:childTnLst>
+                    </p:cTn>
+                  </p:par>
+                  <p:par>
+                    <p:cTn fill="hold">
+                      <p:stCondLst>
+                        <p:cond delay="indefinite"/>
+                      </p:stCondLst>
+                      <p:childTnLst>
+                        <p:par>
+                          <p:cTn fill="hold">
+                            <p:stCondLst>
+                              <p:cond delay="0"/>
+                            </p:stCondLst>
+                            <p:childTnLst>
+                              <p:par>
+                                <p:cTn fill="hold" nodeType="clickEffect" presetClass="entr" presetID="10" presetSubtype="0">
+                                  <p:stCondLst>
+                                    <p:cond delay="0"/>
+                                  </p:stCondLst>
+                                  <p:childTnLst>
+                                    <p:set>
+                                      <p:cBhvr>
+                                        <p:cTn dur="1" fill="hold">
+                                          <p:stCondLst>
+                                            <p:cond delay="0"/>
+                                          </p:stCondLst>
+                                        </p:cTn>
+                                        <p:tgtEl>
+                                          <p:spTgt spid="297"/>
+                                        </p:tgtEl>
+                                        <p:attrNameLst>
+                                          <p:attrName>style.visibility</p:attrName>
+                                        </p:attrNameLst>
+                                      </p:cBhvr>
+                                      <p:to>
+                                        <p:strVal val="visible"/>
+                                      </p:to>
+                                    </p:set>
+                                    <p:animEffect filter="fade" transition="in">
+                                      <p:cBhvr>
+                                        <p:cTn dur="1000"/>
+                                        <p:tgtEl>
+                                          <p:spTgt spid="297"/>
+                                        </p:tgtEl>
+                                      </p:cBhvr>
+                                    </p:animEffect>
+                                  </p:childTnLst>
+                                </p:cTn>
+                              </p:par>
+                            </p:childTnLst>
+                          </p:cTn>
+                        </p:par>
+                      </p:childTnLst>
+                    </p:cTn>
+                  </p:par>
+                  <p:par>
+                    <p:cTn fill="hold">
+                      <p:stCondLst>
+                        <p:cond delay="indefinite"/>
+                      </p:stCondLst>
+                      <p:childTnLst>
+                        <p:par>
+                          <p:cTn fill="hold">
+                            <p:stCondLst>
+                              <p:cond delay="0"/>
+                            </p:stCondLst>
+                            <p:childTnLst>
+                              <p:par>
+                                <p:cTn fill="hold" nodeType="clickEffect" presetClass="emph" presetID="8" presetSubtype="0">
+                                  <p:stCondLst>
+                                    <p:cond delay="0"/>
+                                  </p:stCondLst>
+                                  <p:childTnLst>
+                                    <p:animRot by="-21600000">
+                                      <p:cBhvr>
+                                        <p:cTn dur="1000" fill="hold"/>
+                                        <p:tgtEl>
+                                          <p:spTgt spid="297"/>
+                                        </p:tgtEl>
+                                        <p:attrNameLst>
+                                          <p:attrName>r</p:attrName>
+                                        </p:attrNameLst>
+                                      </p:cBhvr>
+                                    </p:animRot>
+                                  </p:childTnLst>
+                                </p:cTn>
+                              </p:par>
+                            </p:childTnLst>
+                          </p:cTn>
+                        </p:par>
+                      </p:childTnLst>
+                    </p:cTn>
+                  </p:par>
+                </p:childTnLst>
+              </p:cTn>
+              <p:prevCondLst>
+                <p:cond evt="onPrev">
+                  <p:tgtEl>
+                    <p:sldTgt/>
+                  </p:tgtEl>
+                </p:cond>
+              </p:prevCondLst>
+              <p:nextCondLst>
+                <p:cond evt="onNext">
+                  <p:tgtEl>
+                    <p:sldTgt/>
+                  </p:tgtEl>
+                </p:cond>
+              </p:nextCondLst>
+            </p:seq>
+          </p:childTnLst>
+        </p:cTn>
+      </p:par>
+    </p:tnLst>
+  </p:timing>
+</p:sld>
+</file>
+
+<file path=ppt/slides/slide32.xml><?xml version="1.0" encoding="utf-8"?>
+<p:sld xmlns:a="http://schemas.openxmlformats.org/drawingml/2006/main" xmlns:r="http://schemas.openxmlformats.org/officeDocument/2006/relationships" xmlns:mc="http://schemas.openxmlformats.org/markup-compatibility/2006" xmlns:mv="urn:schemas-microsoft-com:mac:vml" xmlns:p="http://schemas.openxmlformats.org/presentationml/2006/main" xmlns:c="http://schemas.openxmlformats.org/drawingml/2006/chart" xmlns:dgm="http://schemas.openxmlformats.org/drawingml/2006/diagram" xmlns:o="urn:schemas-microsoft-com:office:office" xmlns:v="urn:schemas-microsoft-com:vml" xmlns:pvml="urn:schemas-microsoft-com:office:powerpoint" xmlns:com="http://schemas.openxmlformats.org/drawingml/2006/compatibility" xmlns:p14="http://schemas.microsoft.com/office/powerpoint/2010/main" xmlns:p15="http://schemas.microsoft.com/office/powerpoint/2012/main">
+  <p:cSld>
+    <p:spTree>
+      <p:nvGrpSpPr>
+        <p:cNvPr id="302" name="Shape 302"/>
+        <p:cNvGrpSpPr/>
+        <p:nvPr/>
+      </p:nvGrpSpPr>
+      <p:grpSpPr>
+        <a:xfrm>
+          <a:off x="0" y="0"/>
+          <a:ext cx="0" cy="0"/>
+          <a:chOff x="0" y="0"/>
+          <a:chExt cx="0" cy="0"/>
+        </a:xfrm>
+      </p:grpSpPr>
+      <p:sp>
+        <p:nvSpPr>
+          <p:cNvPr id="303" name="Google Shape;303;p44"/>
+          <p:cNvSpPr txBox="1"/>
+          <p:nvPr>
+            <p:ph idx="1" type="body"/>
+          </p:nvPr>
+        </p:nvSpPr>
+        <p:spPr>
+          <a:xfrm>
+            <a:off x="311700" y="1152475"/>
+            <a:ext cx="8520600" cy="1314300"/>
+          </a:xfrm>
+          <a:prstGeom prst="rect">
+            <a:avLst/>
+          </a:prstGeom>
+        </p:spPr>
+        <p:txBody>
+          <a:bodyPr anchorCtr="0" anchor="t" bIns="91425" lIns="91425" spcFirstLastPara="1" rIns="91425" wrap="square" tIns="91425">
+            <a:noAutofit/>
+          </a:bodyPr>
+          <a:lstStyle/>
+          <a:p>
+            <a:pPr indent="0" lvl="0" marL="0" rtl="0" algn="ctr">
+              <a:spcBef>
+                <a:spcPts val="0"/>
+              </a:spcBef>
+              <a:spcAft>
+                <a:spcPts val="1600"/>
+              </a:spcAft>
+              <a:buNone/>
+            </a:pPr>
+            <a:r>
+              <a:rPr lang="ru" sz="4800">
+                <a:solidFill>
+                  <a:schemeClr val="dk1"/>
+                </a:solidFill>
+              </a:rPr>
+              <a:t>Спасибо за внимание!</a:t>
+            </a:r>
+            <a:endParaRPr/>
+          </a:p>
+        </p:txBody>
+      </p:sp>
+      <p:sp>
+        <p:nvSpPr>
+          <p:cNvPr id="304" name="Google Shape;304;p44"/>
+          <p:cNvSpPr txBox="1"/>
+          <p:nvPr/>
+        </p:nvSpPr>
+        <p:spPr>
+          <a:xfrm>
+            <a:off x="4646575" y="2886600"/>
+            <a:ext cx="4298400" cy="1914600"/>
+          </a:xfrm>
+          <a:prstGeom prst="rect">
+            <a:avLst/>
+          </a:prstGeom>
+          <a:noFill/>
+          <a:ln>
+            <a:noFill/>
+          </a:ln>
+        </p:spPr>
+        <p:txBody>
+          <a:bodyPr anchorCtr="0" anchor="t" bIns="91425" lIns="91425" spcFirstLastPara="1" rIns="91425" wrap="square" tIns="91425">
+            <a:noAutofit/>
+          </a:bodyPr>
+          <a:lstStyle/>
+          <a:p>
+            <a:pPr indent="0" lvl="0" marL="0" rtl="0" algn="l">
+              <a:lnSpc>
+                <a:spcPct val="115000"/>
+              </a:lnSpc>
+              <a:spcBef>
+                <a:spcPts val="0"/>
+              </a:spcBef>
+              <a:spcAft>
+                <a:spcPts val="0"/>
+              </a:spcAft>
+              <a:buNone/>
+            </a:pPr>
+            <a:r>
+              <a:rPr lang="ru" sz="1200">
+                <a:solidFill>
+                  <a:schemeClr val="dk1"/>
+                </a:solidFill>
+              </a:rPr>
+              <a:t>Репозиторий проекта находится по адресу:</a:t>
+            </a:r>
+            <a:r>
+              <a:rPr lang="ru" sz="1200">
+                <a:solidFill>
+                  <a:schemeClr val="dk1"/>
+                </a:solidFill>
+                <a:uFill>
+                  <a:noFill/>
+                </a:uFill>
+                <a:hlinkClick r:id="rId3"/>
+              </a:rPr>
+              <a:t> </a:t>
+            </a:r>
+            <a:endParaRPr sz="1200" u="sng">
+              <a:solidFill>
+                <a:schemeClr val="hlink"/>
+              </a:solidFill>
+            </a:endParaRPr>
+          </a:p>
+          <a:p>
+            <a:pPr indent="0" lvl="0" marL="0" rtl="0" algn="l">
+              <a:lnSpc>
+                <a:spcPct val="115000"/>
+              </a:lnSpc>
+              <a:spcBef>
+                <a:spcPts val="0"/>
+              </a:spcBef>
+              <a:spcAft>
+                <a:spcPts val="0"/>
+              </a:spcAft>
+              <a:buClr>
+                <a:schemeClr val="dk1"/>
+              </a:buClr>
+              <a:buSzPts val="1100"/>
+              <a:buFont typeface="Arial"/>
+              <a:buNone/>
+            </a:pPr>
+            <a:r>
+              <a:rPr lang="ru" sz="1100" u="sng">
+                <a:solidFill>
+                  <a:schemeClr val="hlink"/>
+                </a:solidFill>
+                <a:hlinkClick r:id="rId4"/>
+              </a:rPr>
+              <a:t>https://github.com/smekur/Spoken_Corpora_with_Kaldi/tree/master/mistakes_search</a:t>
+            </a:r>
+            <a:endParaRPr sz="1200" u="sng">
+              <a:solidFill>
+                <a:schemeClr val="hlink"/>
+              </a:solidFill>
+            </a:endParaRPr>
+          </a:p>
+          <a:p>
+            <a:pPr indent="0" lvl="0" marL="0" rtl="0" algn="l">
+              <a:lnSpc>
+                <a:spcPct val="115000"/>
+              </a:lnSpc>
+              <a:spcBef>
+                <a:spcPts val="1600"/>
+              </a:spcBef>
+              <a:spcAft>
+                <a:spcPts val="0"/>
+              </a:spcAft>
+              <a:buClr>
+                <a:schemeClr val="dk1"/>
+              </a:buClr>
+              <a:buSzPts val="1100"/>
+              <a:buFont typeface="Arial"/>
+              <a:buNone/>
+            </a:pPr>
+            <a:r>
+              <a:rPr lang="ru" sz="1200">
+                <a:solidFill>
+                  <a:schemeClr val="dk1"/>
+                </a:solidFill>
+              </a:rPr>
+              <a:t>Электронная почта Смирновой Е.: ekanerina@yandex.com</a:t>
+            </a:r>
+            <a:endParaRPr sz="1200">
+              <a:solidFill>
+                <a:schemeClr val="dk1"/>
+              </a:solidFill>
+            </a:endParaRPr>
+          </a:p>
+          <a:p>
+            <a:pPr indent="0" lvl="0" marL="0" rtl="0" algn="l">
+              <a:lnSpc>
+                <a:spcPct val="115000"/>
+              </a:lnSpc>
+              <a:spcBef>
+                <a:spcPts val="1600"/>
+              </a:spcBef>
+              <a:spcAft>
+                <a:spcPts val="0"/>
+              </a:spcAft>
+              <a:buClr>
+                <a:schemeClr val="dk1"/>
+              </a:buClr>
+              <a:buSzPts val="1100"/>
+              <a:buFont typeface="Arial"/>
+              <a:buNone/>
+            </a:pPr>
+            <a:r>
+              <a:rPr lang="ru" sz="1200">
+                <a:solidFill>
+                  <a:schemeClr val="dk1"/>
+                </a:solidFill>
+              </a:rPr>
+              <a:t>Электронная почта Черной А.: khokhlova_as@mail.ru </a:t>
+            </a:r>
+            <a:endParaRPr sz="1200">
+              <a:solidFill>
+                <a:schemeClr val="dk1"/>
+              </a:solidFill>
+            </a:endParaRPr>
+          </a:p>
+          <a:p>
+            <a:pPr indent="0" lvl="0" marL="0" rtl="0" algn="l">
+              <a:spcBef>
+                <a:spcPts val="1600"/>
+              </a:spcBef>
+              <a:spcAft>
+                <a:spcPts val="0"/>
+              </a:spcAft>
+              <a:buNone/>
+            </a:pPr>
+            <a:r>
+              <a:t/>
+            </a:r>
+            <a:endParaRPr/>
+          </a:p>
+        </p:txBody>
+      </p:sp>
+      <p:sp>
+        <p:nvSpPr>
+          <p:cNvPr id="305" name="Google Shape;305;p44"/>
           <p:cNvSpPr txBox="1"/>
           <p:nvPr>
             <p:ph idx="12" type="sldNum"/>
@@ -19669,6 +22311,285 @@
 </file>
 
 <file path=ppt/theme/theme1.xml><?xml version="1.0" encoding="utf-8"?>
+<a:theme xmlns:a="http://schemas.openxmlformats.org/drawingml/2006/main" xmlns:r="http://schemas.openxmlformats.org/officeDocument/2006/relationships" name="Simple Light">
+  <a:themeElements>
+    <a:clrScheme name="Simple Light">
+      <a:dk1>
+        <a:srgbClr val="000000"/>
+      </a:dk1>
+      <a:lt1>
+        <a:srgbClr val="FFFFFF"/>
+      </a:lt1>
+      <a:dk2>
+        <a:srgbClr val="595959"/>
+      </a:dk2>
+      <a:lt2>
+        <a:srgbClr val="EEEEEE"/>
+      </a:lt2>
+      <a:accent1>
+        <a:srgbClr val="FFAB40"/>
+      </a:accent1>
+      <a:accent2>
+        <a:srgbClr val="212121"/>
+      </a:accent2>
+      <a:accent3>
+        <a:srgbClr val="78909C"/>
+      </a:accent3>
+      <a:accent4>
+        <a:srgbClr val="FFAB40"/>
+      </a:accent4>
+      <a:accent5>
+        <a:srgbClr val="0097A7"/>
+      </a:accent5>
+      <a:accent6>
+        <a:srgbClr val="EEFF41"/>
+      </a:accent6>
+      <a:hlink>
+        <a:srgbClr val="0097A7"/>
+      </a:hlink>
+      <a:folHlink>
+        <a:srgbClr val="0097A7"/>
+      </a:folHlink>
+    </a:clrScheme>
+    <a:fontScheme name="Office">
+      <a:majorFont>
+        <a:latin typeface="Arial"/>
+        <a:ea typeface=""/>
+        <a:cs typeface=""/>
+        <a:font script="Jpan" typeface="ＭＳ Ｐゴシック"/>
+        <a:font script="Hang" typeface="맑은 고딕"/>
+        <a:font script="Hans" typeface="宋体"/>
+        <a:font script="Hant" typeface="新細明體"/>
+        <a:font script="Arab" typeface="Times New Roman"/>
+        <a:font script="Hebr" typeface="Times New Roman"/>
+        <a:font script="Thai" typeface="Angsana New"/>
+        <a:font script="Ethi" typeface="Nyala"/>
+        <a:font script="Beng" typeface="Vrinda"/>
+        <a:font script="Gujr" typeface="Shruti"/>
+        <a:font script="Khmr" typeface="MoolBoran"/>
+        <a:font script="Knda" typeface="Tunga"/>
+        <a:font script="Guru" typeface="Raavi"/>
+        <a:font script="Cans" typeface="Euphemia"/>
+        <a:font script="Cher" typeface="Plantagenet Cherokee"/>
+        <a:font script="Yiii" typeface="Microsoft Yi Baiti"/>
+        <a:font script="Tibt" typeface="Microsoft Himalaya"/>
+        <a:font script="Thaa" typeface="MV Boli"/>
+        <a:font script="Deva" typeface="Mangal"/>
+        <a:font script="Telu" typeface="Gautami"/>
+        <a:font script="Taml" typeface="Latha"/>
+        <a:font script="Syrc" typeface="Estrangelo Edessa"/>
+        <a:font script="Orya" typeface="Kalinga"/>
+        <a:font script="Mlym" typeface="Kartika"/>
+        <a:font script="Laoo" typeface="DokChampa"/>
+        <a:font script="Sinh" typeface="Iskoola Pota"/>
+        <a:font script="Mong" typeface="Mongolian Baiti"/>
+        <a:font script="Viet" typeface="Times New Roman"/>
+        <a:font script="Uigh" typeface="Microsoft Uighur"/>
+        <a:font script="Geor" typeface="Sylfaen"/>
+      </a:majorFont>
+      <a:minorFont>
+        <a:latin typeface="Arial"/>
+        <a:ea typeface=""/>
+        <a:cs typeface=""/>
+        <a:font script="Jpan" typeface="ＭＳ Ｐゴシック"/>
+        <a:font script="Hang" typeface="맑은 고딕"/>
+        <a:font script="Hans" typeface="宋体"/>
+        <a:font script="Hant" typeface="新細明體"/>
+        <a:font script="Arab" typeface="Arial"/>
+        <a:font script="Hebr" typeface="Arial"/>
+        <a:font script="Thai" typeface="Cordia New"/>
+        <a:font script="Ethi" typeface="Nyala"/>
+        <a:font script="Beng" typeface="Vrinda"/>
+        <a:font script="Gujr" typeface="Shruti"/>
+        <a:font script="Khmr" typeface="DaunPenh"/>
+        <a:font script="Knda" typeface="Tunga"/>
+        <a:font script="Guru" typeface="Raavi"/>
+        <a:font script="Cans" typeface="Euphemia"/>
+        <a:font script="Cher" typeface="Plantagenet Cherokee"/>
+        <a:font script="Yiii" typeface="Microsoft Yi Baiti"/>
+        <a:font script="Tibt" typeface="Microsoft Himalaya"/>
+        <a:font script="Thaa" typeface="MV Boli"/>
+        <a:font script="Deva" typeface="Mangal"/>
+        <a:font script="Telu" typeface="Gautami"/>
+        <a:font script="Taml" typeface="Latha"/>
+        <a:font script="Syrc" typeface="Estrangelo Edessa"/>
+        <a:font script="Orya" typeface="Kalinga"/>
+        <a:font script="Mlym" typeface="Kartika"/>
+        <a:font script="Laoo" typeface="DokChampa"/>
+        <a:font script="Sinh" typeface="Iskoola Pota"/>
+        <a:font script="Mong" typeface="Mongolian Baiti"/>
+        <a:font script="Viet" typeface="Arial"/>
+        <a:font script="Uigh" typeface="Microsoft Uighur"/>
+        <a:font script="Geor" typeface="Sylfaen"/>
+      </a:minorFont>
+    </a:fontScheme>
+    <a:fmtScheme name="Office">
+      <a:fillStyleLst>
+        <a:solidFill>
+          <a:schemeClr val="phClr"/>
+        </a:solidFill>
+        <a:gradFill rotWithShape="1">
+          <a:gsLst>
+            <a:gs pos="0">
+              <a:schemeClr val="phClr">
+                <a:tint val="50000"/>
+                <a:satMod val="300000"/>
+              </a:schemeClr>
+            </a:gs>
+            <a:gs pos="35000">
+              <a:schemeClr val="phClr">
+                <a:tint val="37000"/>
+                <a:satMod val="300000"/>
+              </a:schemeClr>
+            </a:gs>
+            <a:gs pos="100000">
+              <a:schemeClr val="phClr">
+                <a:tint val="15000"/>
+                <a:satMod val="350000"/>
+              </a:schemeClr>
+            </a:gs>
+          </a:gsLst>
+          <a:lin ang="16200000" scaled="1"/>
+        </a:gradFill>
+        <a:gradFill rotWithShape="1">
+          <a:gsLst>
+            <a:gs pos="0">
+              <a:schemeClr val="phClr">
+                <a:tint val="100000"/>
+                <a:shade val="100000"/>
+                <a:satMod val="130000"/>
+              </a:schemeClr>
+            </a:gs>
+            <a:gs pos="100000">
+              <a:schemeClr val="phClr">
+                <a:tint val="50000"/>
+                <a:shade val="100000"/>
+                <a:satMod val="350000"/>
+              </a:schemeClr>
+            </a:gs>
+          </a:gsLst>
+          <a:lin ang="16200000" scaled="0"/>
+        </a:gradFill>
+      </a:fillStyleLst>
+      <a:lnStyleLst>
+        <a:ln w="9525" cap="flat" cmpd="sng" algn="ctr">
+          <a:solidFill>
+            <a:schemeClr val="phClr">
+              <a:shade val="95000"/>
+              <a:satMod val="105000"/>
+            </a:schemeClr>
+          </a:solidFill>
+          <a:prstDash val="solid"/>
+        </a:ln>
+        <a:ln w="25400" cap="flat" cmpd="sng" algn="ctr">
+          <a:solidFill>
+            <a:schemeClr val="phClr"/>
+          </a:solidFill>
+          <a:prstDash val="solid"/>
+        </a:ln>
+        <a:ln w="38100" cap="flat" cmpd="sng" algn="ctr">
+          <a:solidFill>
+            <a:schemeClr val="phClr"/>
+          </a:solidFill>
+          <a:prstDash val="solid"/>
+        </a:ln>
+      </a:lnStyleLst>
+      <a:effectStyleLst>
+        <a:effectStyle>
+          <a:effectLst>
+            <a:outerShdw blurRad="40000" dist="20000" dir="5400000" rotWithShape="0">
+              <a:srgbClr val="000000">
+                <a:alpha val="38000"/>
+              </a:srgbClr>
+            </a:outerShdw>
+          </a:effectLst>
+        </a:effectStyle>
+        <a:effectStyle>
+          <a:effectLst>
+            <a:outerShdw blurRad="40000" dist="23000" dir="5400000" rotWithShape="0">
+              <a:srgbClr val="000000">
+                <a:alpha val="35000"/>
+              </a:srgbClr>
+            </a:outerShdw>
+          </a:effectLst>
+        </a:effectStyle>
+        <a:effectStyle>
+          <a:effectLst>
+            <a:outerShdw blurRad="40000" dist="23000" dir="5400000" rotWithShape="0">
+              <a:srgbClr val="000000">
+                <a:alpha val="35000"/>
+              </a:srgbClr>
+            </a:outerShdw>
+          </a:effectLst>
+          <a:scene3d>
+            <a:camera prst="orthographicFront">
+              <a:rot lat="0" lon="0" rev="0"/>
+            </a:camera>
+            <a:lightRig rig="threePt" dir="t">
+              <a:rot lat="0" lon="0" rev="1200000"/>
+            </a:lightRig>
+          </a:scene3d>
+          <a:sp3d>
+            <a:bevelT w="63500" h="25400"/>
+          </a:sp3d>
+        </a:effectStyle>
+      </a:effectStyleLst>
+      <a:bgFillStyleLst>
+        <a:solidFill>
+          <a:schemeClr val="phClr"/>
+        </a:solidFill>
+        <a:gradFill rotWithShape="1">
+          <a:gsLst>
+            <a:gs pos="0">
+              <a:schemeClr val="phClr">
+                <a:tint val="40000"/>
+                <a:satMod val="350000"/>
+              </a:schemeClr>
+            </a:gs>
+            <a:gs pos="40000">
+              <a:schemeClr val="phClr">
+                <a:tint val="45000"/>
+                <a:shade val="99000"/>
+                <a:satMod val="350000"/>
+              </a:schemeClr>
+            </a:gs>
+            <a:gs pos="100000">
+              <a:schemeClr val="phClr">
+                <a:shade val="20000"/>
+                <a:satMod val="255000"/>
+              </a:schemeClr>
+            </a:gs>
+          </a:gsLst>
+          <a:path path="circle">
+            <a:fillToRect l="50000" t="-80000" r="50000" b="180000"/>
+          </a:path>
+        </a:gradFill>
+        <a:gradFill rotWithShape="1">
+          <a:gsLst>
+            <a:gs pos="0">
+              <a:schemeClr val="phClr">
+                <a:tint val="80000"/>
+                <a:satMod val="300000"/>
+              </a:schemeClr>
+            </a:gs>
+            <a:gs pos="100000">
+              <a:schemeClr val="phClr">
+                <a:shade val="30000"/>
+                <a:satMod val="200000"/>
+              </a:schemeClr>
+            </a:gs>
+          </a:gsLst>
+          <a:path path="circle">
+            <a:fillToRect l="50000" t="50000" r="50000" b="50000"/>
+          </a:path>
+        </a:gradFill>
+      </a:bgFillStyleLst>
+    </a:fmtScheme>
+  </a:themeElements>
+</a:theme>
+</file>
+
+<file path=ppt/theme/theme2.xml><?xml version="1.0" encoding="utf-8"?>
 <a:theme xmlns:a="http://schemas.openxmlformats.org/drawingml/2006/main" xmlns:r="http://schemas.openxmlformats.org/officeDocument/2006/relationships">
   <a:themeElements>
     <a:clrScheme name="Default">
@@ -19945,283 +22866,4 @@
     </a:fmtScheme>
   </a:themeElements>
 </a:theme>
-</file>
-
-<file path=ppt/theme/theme2.xml><?xml version="1.0" encoding="utf-8"?>
-<a:theme xmlns:a="http://schemas.openxmlformats.org/drawingml/2006/main" xmlns:r="http://schemas.openxmlformats.org/officeDocument/2006/relationships" name="Simple Light">
-  <a:themeElements>
-    <a:clrScheme name="Simple Light">
-      <a:dk1>
-        <a:srgbClr val="000000"/>
-      </a:dk1>
-      <a:lt1>
-        <a:srgbClr val="FFFFFF"/>
-      </a:lt1>
-      <a:dk2>
-        <a:srgbClr val="595959"/>
-      </a:dk2>
-      <a:lt2>
-        <a:srgbClr val="EEEEEE"/>
-      </a:lt2>
-      <a:accent1>
-        <a:srgbClr val="FFAB40"/>
-      </a:accent1>
-      <a:accent2>
-        <a:srgbClr val="212121"/>
-      </a:accent2>
-      <a:accent3>
-        <a:srgbClr val="78909C"/>
-      </a:accent3>
-      <a:accent4>
-        <a:srgbClr val="FFAB40"/>
-      </a:accent4>
-      <a:accent5>
-        <a:srgbClr val="0097A7"/>
-      </a:accent5>
-      <a:accent6>
-        <a:srgbClr val="EEFF41"/>
-      </a:accent6>
-      <a:hlink>
-        <a:srgbClr val="0097A7"/>
-      </a:hlink>
-      <a:folHlink>
-        <a:srgbClr val="0097A7"/>
-      </a:folHlink>
-    </a:clrScheme>
-    <a:fontScheme name="Office">
-      <a:majorFont>
-        <a:latin typeface="Arial"/>
-        <a:ea typeface=""/>
-        <a:cs typeface=""/>
-        <a:font script="Jpan" typeface="ＭＳ Ｐゴシック"/>
-        <a:font script="Hang" typeface="맑은 고딕"/>
-        <a:font script="Hans" typeface="宋体"/>
-        <a:font script="Hant" typeface="新細明體"/>
-        <a:font script="Arab" typeface="Times New Roman"/>
-        <a:font script="Hebr" typeface="Times New Roman"/>
-        <a:font script="Thai" typeface="Angsana New"/>
-        <a:font script="Ethi" typeface="Nyala"/>
-        <a:font script="Beng" typeface="Vrinda"/>
-        <a:font script="Gujr" typeface="Shruti"/>
-        <a:font script="Khmr" typeface="MoolBoran"/>
-        <a:font script="Knda" typeface="Tunga"/>
-        <a:font script="Guru" typeface="Raavi"/>
-        <a:font script="Cans" typeface="Euphemia"/>
-        <a:font script="Cher" typeface="Plantagenet Cherokee"/>
-        <a:font script="Yiii" typeface="Microsoft Yi Baiti"/>
-        <a:font script="Tibt" typeface="Microsoft Himalaya"/>
-        <a:font script="Thaa" typeface="MV Boli"/>
-        <a:font script="Deva" typeface="Mangal"/>
-        <a:font script="Telu" typeface="Gautami"/>
-        <a:font script="Taml" typeface="Latha"/>
-        <a:font script="Syrc" typeface="Estrangelo Edessa"/>
-        <a:font script="Orya" typeface="Kalinga"/>
-        <a:font script="Mlym" typeface="Kartika"/>
-        <a:font script="Laoo" typeface="DokChampa"/>
-        <a:font script="Sinh" typeface="Iskoola Pota"/>
-        <a:font script="Mong" typeface="Mongolian Baiti"/>
-        <a:font script="Viet" typeface="Times New Roman"/>
-        <a:font script="Uigh" typeface="Microsoft Uighur"/>
-        <a:font script="Geor" typeface="Sylfaen"/>
-      </a:majorFont>
-      <a:minorFont>
-        <a:latin typeface="Arial"/>
-        <a:ea typeface=""/>
-        <a:cs typeface=""/>
-        <a:font script="Jpan" typeface="ＭＳ Ｐゴシック"/>
-        <a:font script="Hang" typeface="맑은 고딕"/>
-        <a:font script="Hans" typeface="宋体"/>
-        <a:font script="Hant" typeface="新細明體"/>
-        <a:font script="Arab" typeface="Arial"/>
-        <a:font script="Hebr" typeface="Arial"/>
-        <a:font script="Thai" typeface="Cordia New"/>
-        <a:font script="Ethi" typeface="Nyala"/>
-        <a:font script="Beng" typeface="Vrinda"/>
-        <a:font script="Gujr" typeface="Shruti"/>
-        <a:font script="Khmr" typeface="DaunPenh"/>
-        <a:font script="Knda" typeface="Tunga"/>
-        <a:font script="Guru" typeface="Raavi"/>
-        <a:font script="Cans" typeface="Euphemia"/>
-        <a:font script="Cher" typeface="Plantagenet Cherokee"/>
-        <a:font script="Yiii" typeface="Microsoft Yi Baiti"/>
-        <a:font script="Tibt" typeface="Microsoft Himalaya"/>
-        <a:font script="Thaa" typeface="MV Boli"/>
-        <a:font script="Deva" typeface="Mangal"/>
-        <a:font script="Telu" typeface="Gautami"/>
-        <a:font script="Taml" typeface="Latha"/>
-        <a:font script="Syrc" typeface="Estrangelo Edessa"/>
-        <a:font script="Orya" typeface="Kalinga"/>
-        <a:font script="Mlym" typeface="Kartika"/>
-        <a:font script="Laoo" typeface="DokChampa"/>
-        <a:font script="Sinh" typeface="Iskoola Pota"/>
-        <a:font script="Mong" typeface="Mongolian Baiti"/>
-        <a:font script="Viet" typeface="Arial"/>
-        <a:font script="Uigh" typeface="Microsoft Uighur"/>
-        <a:font script="Geor" typeface="Sylfaen"/>
-      </a:minorFont>
-    </a:fontScheme>
-    <a:fmtScheme name="Office">
-      <a:fillStyleLst>
-        <a:solidFill>
-          <a:schemeClr val="phClr"/>
-        </a:solidFill>
-        <a:gradFill rotWithShape="1">
-          <a:gsLst>
-            <a:gs pos="0">
-              <a:schemeClr val="phClr">
-                <a:tint val="50000"/>
-                <a:satMod val="300000"/>
-              </a:schemeClr>
-            </a:gs>
-            <a:gs pos="35000">
-              <a:schemeClr val="phClr">
-                <a:tint val="37000"/>
-                <a:satMod val="300000"/>
-              </a:schemeClr>
-            </a:gs>
-            <a:gs pos="100000">
-              <a:schemeClr val="phClr">
-                <a:tint val="15000"/>
-                <a:satMod val="350000"/>
-              </a:schemeClr>
-            </a:gs>
-          </a:gsLst>
-          <a:lin ang="16200000" scaled="1"/>
-        </a:gradFill>
-        <a:gradFill rotWithShape="1">
-          <a:gsLst>
-            <a:gs pos="0">
-              <a:schemeClr val="phClr">
-                <a:tint val="100000"/>
-                <a:shade val="100000"/>
-                <a:satMod val="130000"/>
-              </a:schemeClr>
-            </a:gs>
-            <a:gs pos="100000">
-              <a:schemeClr val="phClr">
-                <a:tint val="50000"/>
-                <a:shade val="100000"/>
-                <a:satMod val="350000"/>
-              </a:schemeClr>
-            </a:gs>
-          </a:gsLst>
-          <a:lin ang="16200000" scaled="0"/>
-        </a:gradFill>
-      </a:fillStyleLst>
-      <a:lnStyleLst>
-        <a:ln w="9525" cap="flat" cmpd="sng" algn="ctr">
-          <a:solidFill>
-            <a:schemeClr val="phClr">
-              <a:shade val="95000"/>
-              <a:satMod val="105000"/>
-            </a:schemeClr>
-          </a:solidFill>
-          <a:prstDash val="solid"/>
-        </a:ln>
-        <a:ln w="25400" cap="flat" cmpd="sng" algn="ctr">
-          <a:solidFill>
-            <a:schemeClr val="phClr"/>
-          </a:solidFill>
-          <a:prstDash val="solid"/>
-        </a:ln>
-        <a:ln w="38100" cap="flat" cmpd="sng" algn="ctr">
-          <a:solidFill>
-            <a:schemeClr val="phClr"/>
-          </a:solidFill>
-          <a:prstDash val="solid"/>
-        </a:ln>
-      </a:lnStyleLst>
-      <a:effectStyleLst>
-        <a:effectStyle>
-          <a:effectLst>
-            <a:outerShdw blurRad="40000" dist="20000" dir="5400000" rotWithShape="0">
-              <a:srgbClr val="000000">
-                <a:alpha val="38000"/>
-              </a:srgbClr>
-            </a:outerShdw>
-          </a:effectLst>
-        </a:effectStyle>
-        <a:effectStyle>
-          <a:effectLst>
-            <a:outerShdw blurRad="40000" dist="23000" dir="5400000" rotWithShape="0">
-              <a:srgbClr val="000000">
-                <a:alpha val="35000"/>
-              </a:srgbClr>
-            </a:outerShdw>
-          </a:effectLst>
-        </a:effectStyle>
-        <a:effectStyle>
-          <a:effectLst>
-            <a:outerShdw blurRad="40000" dist="23000" dir="5400000" rotWithShape="0">
-              <a:srgbClr val="000000">
-                <a:alpha val="35000"/>
-              </a:srgbClr>
-            </a:outerShdw>
-          </a:effectLst>
-          <a:scene3d>
-            <a:camera prst="orthographicFront">
-              <a:rot lat="0" lon="0" rev="0"/>
-            </a:camera>
-            <a:lightRig rig="threePt" dir="t">
-              <a:rot lat="0" lon="0" rev="1200000"/>
-            </a:lightRig>
-          </a:scene3d>
-          <a:sp3d>
-            <a:bevelT w="63500" h="25400"/>
-          </a:sp3d>
-        </a:effectStyle>
-      </a:effectStyleLst>
-      <a:bgFillStyleLst>
-        <a:solidFill>
-          <a:schemeClr val="phClr"/>
-        </a:solidFill>
-        <a:gradFill rotWithShape="1">
-          <a:gsLst>
-            <a:gs pos="0">
-              <a:schemeClr val="phClr">
-                <a:tint val="40000"/>
-                <a:satMod val="350000"/>
-              </a:schemeClr>
-            </a:gs>
-            <a:gs pos="40000">
-              <a:schemeClr val="phClr">
-                <a:tint val="45000"/>
-                <a:shade val="99000"/>
-                <a:satMod val="350000"/>
-              </a:schemeClr>
-            </a:gs>
-            <a:gs pos="100000">
-              <a:schemeClr val="phClr">
-                <a:shade val="20000"/>
-                <a:satMod val="255000"/>
-              </a:schemeClr>
-            </a:gs>
-          </a:gsLst>
-          <a:path path="circle">
-            <a:fillToRect l="50000" t="-80000" r="50000" b="180000"/>
-          </a:path>
-        </a:gradFill>
-        <a:gradFill rotWithShape="1">
-          <a:gsLst>
-            <a:gs pos="0">
-              <a:schemeClr val="phClr">
-                <a:tint val="80000"/>
-                <a:satMod val="300000"/>
-              </a:schemeClr>
-            </a:gs>
-            <a:gs pos="100000">
-              <a:schemeClr val="phClr">
-                <a:shade val="30000"/>
-                <a:satMod val="200000"/>
-              </a:schemeClr>
-            </a:gs>
-          </a:gsLst>
-          <a:path path="circle">
-            <a:fillToRect l="50000" t="50000" r="50000" b="50000"/>
-          </a:path>
-        </a:gradFill>
-      </a:bgFillStyleLst>
-    </a:fmtScheme>
-  </a:themeElements>
-</a:theme>
 </file>